--- a/Презентация.pptx
+++ b/Презентация.pptx
@@ -2,20 +2,17 @@
 <file path=ppt/presentation.xml><?xml version="1.0" encoding="utf-8"?>
 <p:presentation xmlns:a="http://schemas.openxmlformats.org/drawingml/2006/main" xmlns:r="http://schemas.openxmlformats.org/officeDocument/2006/relationships" xmlns:p="http://schemas.openxmlformats.org/presentationml/2006/main" saveSubsetFonts="1">
   <p:sldMasterIdLst>
-    <p:sldMasterId id="2147483660" r:id="rId1"/>
+    <p:sldMasterId id="2147483672" r:id="rId1"/>
   </p:sldMasterIdLst>
   <p:sldIdLst>
     <p:sldId id="256" r:id="rId2"/>
-    <p:sldId id="257" r:id="rId3"/>
-    <p:sldId id="258" r:id="rId4"/>
-    <p:sldId id="261" r:id="rId5"/>
-    <p:sldId id="265" r:id="rId6"/>
-    <p:sldId id="262" r:id="rId7"/>
-    <p:sldId id="263" r:id="rId8"/>
-    <p:sldId id="264" r:id="rId9"/>
-    <p:sldId id="266" r:id="rId10"/>
-    <p:sldId id="259" r:id="rId11"/>
-    <p:sldId id="260" r:id="rId12"/>
+    <p:sldId id="265" r:id="rId3"/>
+    <p:sldId id="262" r:id="rId4"/>
+    <p:sldId id="263" r:id="rId5"/>
+    <p:sldId id="264" r:id="rId6"/>
+    <p:sldId id="266" r:id="rId7"/>
+    <p:sldId id="259" r:id="rId8"/>
+    <p:sldId id="260" r:id="rId9"/>
   </p:sldIdLst>
   <p:sldSz cx="9144000" cy="6858000" type="screen4x3"/>
   <p:notesSz cx="6858000" cy="9144000"/>
@@ -118,7 +115,7 @@
 </file>
 
 <file path=ppt/slideLayouts/slideLayout1.xml><?xml version="1.0" encoding="utf-8"?>
-<p:sldLayout xmlns:a="http://schemas.openxmlformats.org/drawingml/2006/main" xmlns:r="http://schemas.openxmlformats.org/officeDocument/2006/relationships" xmlns:p="http://schemas.openxmlformats.org/presentationml/2006/main" showMasterSp="0" type="title" preserve="1">
+<p:sldLayout xmlns:a="http://schemas.openxmlformats.org/drawingml/2006/main" xmlns:r="http://schemas.openxmlformats.org/officeDocument/2006/relationships" xmlns:p="http://schemas.openxmlformats.org/presentationml/2006/main" type="title" preserve="1">
   <p:cSld name="Титульный слайд">
     <p:spTree>
       <p:nvGrpSpPr>
@@ -134,99 +131,37 @@
           <a:chExt cx="0" cy="0"/>
         </a:xfrm>
       </p:grpSpPr>
-      <p:pic>
-        <p:nvPicPr>
-          <p:cNvPr id="7" name="Picture 6" descr="horizon.png"/>
-          <p:cNvPicPr>
-            <a:picLocks noChangeAspect="1"/>
-          </p:cNvPicPr>
-          <p:nvPr/>
-        </p:nvPicPr>
-        <p:blipFill>
-          <a:blip r:embed="rId2" cstate="print"/>
-          <a:srcRect t="33333"/>
-          <a:stretch>
-            <a:fillRect/>
-          </a:stretch>
-        </p:blipFill>
+      <p:sp>
+        <p:nvSpPr>
+          <p:cNvPr id="2" name="Заголовок 1"/>
+          <p:cNvSpPr>
+            <a:spLocks noGrp="1"/>
+          </p:cNvSpPr>
+          <p:nvPr>
+            <p:ph type="ctrTitle"/>
+          </p:nvPr>
+        </p:nvSpPr>
         <p:spPr>
           <a:xfrm>
-            <a:off x="0" y="0"/>
-            <a:ext cx="9144000" cy="4572000"/>
+            <a:off x="685800" y="2130425"/>
+            <a:ext cx="7772400" cy="1470025"/>
           </a:xfrm>
-          <a:prstGeom prst="rect">
-            <a:avLst/>
-          </a:prstGeom>
         </p:spPr>
-      </p:pic>
-      <p:sp>
-        <p:nvSpPr>
-          <p:cNvPr id="4" name="Date Placeholder 3"/>
-          <p:cNvSpPr>
-            <a:spLocks noGrp="1"/>
-          </p:cNvSpPr>
-          <p:nvPr>
-            <p:ph type="dt" sz="half" idx="10"/>
-          </p:nvPr>
-        </p:nvSpPr>
-        <p:spPr/>
-        <p:txBody>
-          <a:bodyPr/>
-          <a:lstStyle/>
-          <a:p>
-            <a:fld id="{B4C71EC6-210F-42DE-9C53-41977AD35B3D}" type="datetimeFigureOut">
-              <a:rPr lang="ru-RU" smtClean="0"/>
-              <a:t>20.02.2021</a:t>
-            </a:fld>
-            <a:endParaRPr lang="ru-RU"/>
-          </a:p>
-        </p:txBody>
-      </p:sp>
-      <p:sp>
-        <p:nvSpPr>
-          <p:cNvPr id="5" name="Footer Placeholder 4"/>
-          <p:cNvSpPr>
-            <a:spLocks noGrp="1"/>
-          </p:cNvSpPr>
-          <p:nvPr>
-            <p:ph type="ftr" sz="quarter" idx="11"/>
-          </p:nvPr>
-        </p:nvSpPr>
-        <p:spPr/>
-        <p:txBody>
-          <a:bodyPr/>
-          <a:lstStyle/>
-          <a:p>
-            <a:endParaRPr lang="ru-RU"/>
-          </a:p>
-        </p:txBody>
-      </p:sp>
-      <p:sp>
-        <p:nvSpPr>
-          <p:cNvPr id="6" name="Slide Number Placeholder 5"/>
-          <p:cNvSpPr>
-            <a:spLocks noGrp="1"/>
-          </p:cNvSpPr>
-          <p:nvPr>
-            <p:ph type="sldNum" sz="quarter" idx="12"/>
-          </p:nvPr>
-        </p:nvSpPr>
-        <p:spPr/>
-        <p:txBody>
-          <a:bodyPr/>
-          <a:lstStyle/>
-          <a:p>
-            <a:fld id="{B19B0651-EE4F-4900-A07F-96A6BFA9D0F0}" type="slidenum">
-              <a:rPr lang="ru-RU" smtClean="0"/>
-              <a:t>‹#›</a:t>
-            </a:fld>
-            <a:endParaRPr lang="ru-RU"/>
-          </a:p>
-        </p:txBody>
-      </p:sp>
-      <p:sp>
-        <p:nvSpPr>
-          <p:cNvPr id="3" name="Subtitle 2"/>
+        <p:txBody>
+          <a:bodyPr/>
+          <a:lstStyle/>
+          <a:p>
+            <a:r>
+              <a:rPr lang="ru-RU" smtClean="0"/>
+              <a:t>Образец заголовка</a:t>
+            </a:r>
+            <a:endParaRPr lang="ru-RU"/>
+          </a:p>
+        </p:txBody>
+      </p:sp>
+      <p:sp>
+        <p:nvSpPr>
+          <p:cNvPr id="3" name="Подзаголовок 2"/>
           <p:cNvSpPr>
             <a:spLocks noGrp="1"/>
           </p:cNvSpPr>
@@ -236,20 +171,20 @@
         </p:nvSpPr>
         <p:spPr>
           <a:xfrm>
-            <a:off x="1219200" y="3886200"/>
+            <a:off x="1371600" y="3886200"/>
             <a:ext cx="6400800" cy="1752600"/>
           </a:xfrm>
         </p:spPr>
         <p:txBody>
-          <a:bodyPr>
-            <a:normAutofit/>
-          </a:bodyPr>
+          <a:bodyPr/>
           <a:lstStyle>
             <a:lvl1pPr marL="0" indent="0" algn="ctr">
               <a:buNone/>
-              <a:defRPr sz="1700" baseline="0">
+              <a:defRPr>
                 <a:solidFill>
-                  <a:schemeClr val="tx2"/>
+                  <a:schemeClr val="tx1">
+                    <a:tint val="75000"/>
+                  </a:schemeClr>
                 </a:solidFill>
               </a:defRPr>
             </a:lvl1pPr>
@@ -339,39 +274,74 @@
               <a:rPr lang="ru-RU" smtClean="0"/>
               <a:t>Образец подзаголовка</a:t>
             </a:r>
-            <a:endParaRPr lang="en-US" dirty="0"/>
-          </a:p>
-        </p:txBody>
-      </p:sp>
-      <p:sp>
-        <p:nvSpPr>
-          <p:cNvPr id="2" name="Title 1"/>
-          <p:cNvSpPr>
-            <a:spLocks noGrp="1"/>
-          </p:cNvSpPr>
-          <p:nvPr>
-            <p:ph type="ctrTitle"/>
-          </p:nvPr>
-        </p:nvSpPr>
-        <p:spPr>
-          <a:xfrm>
-            <a:off x="685800" y="2007888"/>
-            <a:ext cx="7772400" cy="1470025"/>
-          </a:xfrm>
-        </p:spPr>
-        <p:txBody>
-          <a:bodyPr/>
-          <a:lstStyle>
-            <a:lvl1pPr algn="ctr">
-              <a:defRPr sz="3200"/>
-            </a:lvl1pPr>
-          </a:lstStyle>
-          <a:p>
-            <a:r>
-              <a:rPr lang="ru-RU" smtClean="0"/>
-              <a:t>Образец заголовка</a:t>
-            </a:r>
-            <a:endParaRPr lang="en-US" dirty="0"/>
+            <a:endParaRPr lang="ru-RU"/>
+          </a:p>
+        </p:txBody>
+      </p:sp>
+      <p:sp>
+        <p:nvSpPr>
+          <p:cNvPr id="4" name="Дата 3"/>
+          <p:cNvSpPr>
+            <a:spLocks noGrp="1"/>
+          </p:cNvSpPr>
+          <p:nvPr>
+            <p:ph type="dt" sz="half" idx="10"/>
+          </p:nvPr>
+        </p:nvSpPr>
+        <p:spPr/>
+        <p:txBody>
+          <a:bodyPr/>
+          <a:lstStyle/>
+          <a:p>
+            <a:fld id="{B4C71EC6-210F-42DE-9C53-41977AD35B3D}" type="datetimeFigureOut">
+              <a:rPr lang="ru-RU" smtClean="0"/>
+              <a:pPr/>
+              <a:t>20.02.2021</a:t>
+            </a:fld>
+            <a:endParaRPr lang="ru-RU"/>
+          </a:p>
+        </p:txBody>
+      </p:sp>
+      <p:sp>
+        <p:nvSpPr>
+          <p:cNvPr id="5" name="Нижний колонтитул 4"/>
+          <p:cNvSpPr>
+            <a:spLocks noGrp="1"/>
+          </p:cNvSpPr>
+          <p:nvPr>
+            <p:ph type="ftr" sz="quarter" idx="11"/>
+          </p:nvPr>
+        </p:nvSpPr>
+        <p:spPr/>
+        <p:txBody>
+          <a:bodyPr/>
+          <a:lstStyle/>
+          <a:p>
+            <a:endParaRPr lang="ru-RU"/>
+          </a:p>
+        </p:txBody>
+      </p:sp>
+      <p:sp>
+        <p:nvSpPr>
+          <p:cNvPr id="6" name="Номер слайда 5"/>
+          <p:cNvSpPr>
+            <a:spLocks noGrp="1"/>
+          </p:cNvSpPr>
+          <p:nvPr>
+            <p:ph type="sldNum" sz="quarter" idx="12"/>
+          </p:nvPr>
+        </p:nvSpPr>
+        <p:spPr/>
+        <p:txBody>
+          <a:bodyPr/>
+          <a:lstStyle/>
+          <a:p>
+            <a:fld id="{B19B0651-EE4F-4900-A07F-96A6BFA9D0F0}" type="slidenum">
+              <a:rPr lang="ru-RU" smtClean="0"/>
+              <a:pPr/>
+              <a:t>‹#›</a:t>
+            </a:fld>
+            <a:endParaRPr lang="ru-RU"/>
           </a:p>
         </p:txBody>
       </p:sp>
@@ -402,7 +372,7 @@
       </p:grpSpPr>
       <p:sp>
         <p:nvSpPr>
-          <p:cNvPr id="2" name="Title 1"/>
+          <p:cNvPr id="2" name="Заголовок 1"/>
           <p:cNvSpPr>
             <a:spLocks noGrp="1"/>
           </p:cNvSpPr>
@@ -419,13 +389,13 @@
               <a:rPr lang="ru-RU" smtClean="0"/>
               <a:t>Образец заголовка</a:t>
             </a:r>
-            <a:endParaRPr lang="en-US" dirty="0"/>
-          </a:p>
-        </p:txBody>
-      </p:sp>
-      <p:sp>
-        <p:nvSpPr>
-          <p:cNvPr id="3" name="Vertical Text Placeholder 2"/>
+            <a:endParaRPr lang="ru-RU"/>
+          </a:p>
+        </p:txBody>
+      </p:sp>
+      <p:sp>
+        <p:nvSpPr>
+          <p:cNvPr id="3" name="Вертикальный текст 2"/>
           <p:cNvSpPr>
             <a:spLocks noGrp="1"/>
           </p:cNvSpPr>
@@ -471,13 +441,13 @@
               <a:rPr lang="ru-RU" smtClean="0"/>
               <a:t>Пятый уровень</a:t>
             </a:r>
-            <a:endParaRPr lang="en-US"/>
-          </a:p>
-        </p:txBody>
-      </p:sp>
-      <p:sp>
-        <p:nvSpPr>
-          <p:cNvPr id="4" name="Date Placeholder 3"/>
+            <a:endParaRPr lang="ru-RU"/>
+          </a:p>
+        </p:txBody>
+      </p:sp>
+      <p:sp>
+        <p:nvSpPr>
+          <p:cNvPr id="4" name="Дата 3"/>
           <p:cNvSpPr>
             <a:spLocks noGrp="1"/>
           </p:cNvSpPr>
@@ -492,6 +462,7 @@
           <a:p>
             <a:fld id="{B4C71EC6-210F-42DE-9C53-41977AD35B3D}" type="datetimeFigureOut">
               <a:rPr lang="ru-RU" smtClean="0"/>
+              <a:pPr/>
               <a:t>20.02.2021</a:t>
             </a:fld>
             <a:endParaRPr lang="ru-RU"/>
@@ -500,7 +471,7 @@
       </p:sp>
       <p:sp>
         <p:nvSpPr>
-          <p:cNvPr id="5" name="Footer Placeholder 4"/>
+          <p:cNvPr id="5" name="Нижний колонтитул 4"/>
           <p:cNvSpPr>
             <a:spLocks noGrp="1"/>
           </p:cNvSpPr>
@@ -519,7 +490,7 @@
       </p:sp>
       <p:sp>
         <p:nvSpPr>
-          <p:cNvPr id="6" name="Slide Number Placeholder 5"/>
+          <p:cNvPr id="6" name="Номер слайда 5"/>
           <p:cNvSpPr>
             <a:spLocks noGrp="1"/>
           </p:cNvSpPr>
@@ -534,6 +505,7 @@
           <a:p>
             <a:fld id="{B19B0651-EE4F-4900-A07F-96A6BFA9D0F0}" type="slidenum">
               <a:rPr lang="ru-RU" smtClean="0"/>
+              <a:pPr/>
               <a:t>‹#›</a:t>
             </a:fld>
             <a:endParaRPr lang="ru-RU"/>
@@ -567,7 +539,7 @@
       </p:grpSpPr>
       <p:sp>
         <p:nvSpPr>
-          <p:cNvPr id="2" name="Vertical Title 1"/>
+          <p:cNvPr id="2" name="Вертикальный заголовок 1"/>
           <p:cNvSpPr>
             <a:spLocks noGrp="1"/>
           </p:cNvSpPr>
@@ -589,13 +561,13 @@
               <a:rPr lang="ru-RU" smtClean="0"/>
               <a:t>Образец заголовка</a:t>
             </a:r>
-            <a:endParaRPr lang="en-US" dirty="0"/>
-          </a:p>
-        </p:txBody>
-      </p:sp>
-      <p:sp>
-        <p:nvSpPr>
-          <p:cNvPr id="3" name="Vertical Text Placeholder 2"/>
+            <a:endParaRPr lang="ru-RU"/>
+          </a:p>
+        </p:txBody>
+      </p:sp>
+      <p:sp>
+        <p:nvSpPr>
+          <p:cNvPr id="3" name="Вертикальный текст 2"/>
           <p:cNvSpPr>
             <a:spLocks noGrp="1"/>
           </p:cNvSpPr>
@@ -646,13 +618,13 @@
               <a:rPr lang="ru-RU" smtClean="0"/>
               <a:t>Пятый уровень</a:t>
             </a:r>
-            <a:endParaRPr lang="en-US"/>
-          </a:p>
-        </p:txBody>
-      </p:sp>
-      <p:sp>
-        <p:nvSpPr>
-          <p:cNvPr id="4" name="Date Placeholder 3"/>
+            <a:endParaRPr lang="ru-RU"/>
+          </a:p>
+        </p:txBody>
+      </p:sp>
+      <p:sp>
+        <p:nvSpPr>
+          <p:cNvPr id="4" name="Дата 3"/>
           <p:cNvSpPr>
             <a:spLocks noGrp="1"/>
           </p:cNvSpPr>
@@ -667,6 +639,7 @@
           <a:p>
             <a:fld id="{B4C71EC6-210F-42DE-9C53-41977AD35B3D}" type="datetimeFigureOut">
               <a:rPr lang="ru-RU" smtClean="0"/>
+              <a:pPr/>
               <a:t>20.02.2021</a:t>
             </a:fld>
             <a:endParaRPr lang="ru-RU"/>
@@ -675,7 +648,7 @@
       </p:sp>
       <p:sp>
         <p:nvSpPr>
-          <p:cNvPr id="5" name="Footer Placeholder 4"/>
+          <p:cNvPr id="5" name="Нижний колонтитул 4"/>
           <p:cNvSpPr>
             <a:spLocks noGrp="1"/>
           </p:cNvSpPr>
@@ -694,7 +667,7 @@
       </p:sp>
       <p:sp>
         <p:nvSpPr>
-          <p:cNvPr id="6" name="Slide Number Placeholder 5"/>
+          <p:cNvPr id="6" name="Номер слайда 5"/>
           <p:cNvSpPr>
             <a:spLocks noGrp="1"/>
           </p:cNvSpPr>
@@ -709,6 +682,7 @@
           <a:p>
             <a:fld id="{B19B0651-EE4F-4900-A07F-96A6BFA9D0F0}" type="slidenum">
               <a:rPr lang="ru-RU" smtClean="0"/>
+              <a:pPr/>
               <a:t>‹#›</a:t>
             </a:fld>
             <a:endParaRPr lang="ru-RU"/>
@@ -742,7 +716,7 @@
       </p:grpSpPr>
       <p:sp>
         <p:nvSpPr>
-          <p:cNvPr id="2" name="Title 1"/>
+          <p:cNvPr id="2" name="Заголовок 1"/>
           <p:cNvSpPr>
             <a:spLocks noGrp="1"/>
           </p:cNvSpPr>
@@ -750,12 +724,7 @@
             <p:ph type="title"/>
           </p:nvPr>
         </p:nvSpPr>
-        <p:spPr>
-          <a:xfrm>
-            <a:off x="609600" y="274638"/>
-            <a:ext cx="7924800" cy="1143000"/>
-          </a:xfrm>
-        </p:spPr>
+        <p:spPr/>
         <p:txBody>
           <a:bodyPr/>
           <a:lstStyle/>
@@ -764,13 +733,65 @@
               <a:rPr lang="ru-RU" smtClean="0"/>
               <a:t>Образец заголовка</a:t>
             </a:r>
-            <a:endParaRPr lang="en-US" dirty="0"/>
-          </a:p>
-        </p:txBody>
-      </p:sp>
-      <p:sp>
-        <p:nvSpPr>
-          <p:cNvPr id="4" name="Date Placeholder 3"/>
+            <a:endParaRPr lang="ru-RU"/>
+          </a:p>
+        </p:txBody>
+      </p:sp>
+      <p:sp>
+        <p:nvSpPr>
+          <p:cNvPr id="3" name="Содержимое 2"/>
+          <p:cNvSpPr>
+            <a:spLocks noGrp="1"/>
+          </p:cNvSpPr>
+          <p:nvPr>
+            <p:ph idx="1"/>
+          </p:nvPr>
+        </p:nvSpPr>
+        <p:spPr/>
+        <p:txBody>
+          <a:bodyPr/>
+          <a:lstStyle/>
+          <a:p>
+            <a:pPr lvl="0"/>
+            <a:r>
+              <a:rPr lang="ru-RU" smtClean="0"/>
+              <a:t>Образец текста</a:t>
+            </a:r>
+          </a:p>
+          <a:p>
+            <a:pPr lvl="1"/>
+            <a:r>
+              <a:rPr lang="ru-RU" smtClean="0"/>
+              <a:t>Второй уровень</a:t>
+            </a:r>
+          </a:p>
+          <a:p>
+            <a:pPr lvl="2"/>
+            <a:r>
+              <a:rPr lang="ru-RU" smtClean="0"/>
+              <a:t>Третий уровень</a:t>
+            </a:r>
+          </a:p>
+          <a:p>
+            <a:pPr lvl="3"/>
+            <a:r>
+              <a:rPr lang="ru-RU" smtClean="0"/>
+              <a:t>Четвертый уровень</a:t>
+            </a:r>
+          </a:p>
+          <a:p>
+            <a:pPr lvl="4"/>
+            <a:r>
+              <a:rPr lang="ru-RU" smtClean="0"/>
+              <a:t>Пятый уровень</a:t>
+            </a:r>
+            <a:endParaRPr lang="ru-RU"/>
+          </a:p>
+        </p:txBody>
+      </p:sp>
+      <p:sp>
+        <p:nvSpPr>
+          <p:cNvPr id="4" name="Дата 3"/>
           <p:cNvSpPr>
             <a:spLocks noGrp="1"/>
           </p:cNvSpPr>
@@ -785,6 +806,7 @@
           <a:p>
             <a:fld id="{B4C71EC6-210F-42DE-9C53-41977AD35B3D}" type="datetimeFigureOut">
               <a:rPr lang="ru-RU" smtClean="0"/>
+              <a:pPr/>
               <a:t>20.02.2021</a:t>
             </a:fld>
             <a:endParaRPr lang="ru-RU"/>
@@ -793,7 +815,7 @@
       </p:sp>
       <p:sp>
         <p:nvSpPr>
-          <p:cNvPr id="5" name="Footer Placeholder 4"/>
+          <p:cNvPr id="5" name="Нижний колонтитул 4"/>
           <p:cNvSpPr>
             <a:spLocks noGrp="1"/>
           </p:cNvSpPr>
@@ -812,7 +834,7 @@
       </p:sp>
       <p:sp>
         <p:nvSpPr>
-          <p:cNvPr id="6" name="Slide Number Placeholder 5"/>
+          <p:cNvPr id="6" name="Номер слайда 5"/>
           <p:cNvSpPr>
             <a:spLocks noGrp="1"/>
           </p:cNvSpPr>
@@ -827,66 +849,10 @@
           <a:p>
             <a:fld id="{B19B0651-EE4F-4900-A07F-96A6BFA9D0F0}" type="slidenum">
               <a:rPr lang="ru-RU" smtClean="0"/>
+              <a:pPr/>
               <a:t>‹#›</a:t>
             </a:fld>
             <a:endParaRPr lang="ru-RU"/>
-          </a:p>
-        </p:txBody>
-      </p:sp>
-      <p:sp>
-        <p:nvSpPr>
-          <p:cNvPr id="8" name="Content Placeholder 7"/>
-          <p:cNvSpPr>
-            <a:spLocks noGrp="1"/>
-          </p:cNvSpPr>
-          <p:nvPr>
-            <p:ph sz="quarter" idx="13"/>
-          </p:nvPr>
-        </p:nvSpPr>
-        <p:spPr>
-          <a:xfrm>
-            <a:off x="609600" y="1600200"/>
-            <a:ext cx="7924800" cy="4114800"/>
-          </a:xfrm>
-        </p:spPr>
-        <p:txBody>
-          <a:bodyPr/>
-          <a:lstStyle/>
-          <a:p>
-            <a:pPr lvl="0"/>
-            <a:r>
-              <a:rPr lang="ru-RU" smtClean="0"/>
-              <a:t>Образец текста</a:t>
-            </a:r>
-          </a:p>
-          <a:p>
-            <a:pPr lvl="1"/>
-            <a:r>
-              <a:rPr lang="ru-RU" smtClean="0"/>
-              <a:t>Второй уровень</a:t>
-            </a:r>
-          </a:p>
-          <a:p>
-            <a:pPr lvl="2"/>
-            <a:r>
-              <a:rPr lang="ru-RU" smtClean="0"/>
-              <a:t>Третий уровень</a:t>
-            </a:r>
-          </a:p>
-          <a:p>
-            <a:pPr lvl="3"/>
-            <a:r>
-              <a:rPr lang="ru-RU" smtClean="0"/>
-              <a:t>Четвертый уровень</a:t>
-            </a:r>
-          </a:p>
-          <a:p>
-            <a:pPr lvl="4"/>
-            <a:r>
-              <a:rPr lang="ru-RU" smtClean="0"/>
-              <a:t>Пятый уровень</a:t>
-            </a:r>
-            <a:endParaRPr lang="en-US" dirty="0"/>
           </a:p>
         </p:txBody>
       </p:sp>
@@ -899,7 +865,7 @@
 </file>
 
 <file path=ppt/slideLayouts/slideLayout3.xml><?xml version="1.0" encoding="utf-8"?>
-<p:sldLayout xmlns:a="http://schemas.openxmlformats.org/drawingml/2006/main" xmlns:r="http://schemas.openxmlformats.org/officeDocument/2006/relationships" xmlns:p="http://schemas.openxmlformats.org/presentationml/2006/main" showMasterSp="0" type="secHead" preserve="1">
+<p:sldLayout xmlns:a="http://schemas.openxmlformats.org/drawingml/2006/main" xmlns:r="http://schemas.openxmlformats.org/officeDocument/2006/relationships" xmlns:p="http://schemas.openxmlformats.org/presentationml/2006/main" type="secHead" preserve="1">
   <p:cSld name="Заголовок раздела">
     <p:spTree>
       <p:nvGrpSpPr>
@@ -917,7 +883,7 @@
       </p:grpSpPr>
       <p:sp>
         <p:nvSpPr>
-          <p:cNvPr id="2" name="Title 1"/>
+          <p:cNvPr id="2" name="Заголовок 1"/>
           <p:cNvSpPr>
             <a:spLocks noGrp="1"/>
           </p:cNvSpPr>
@@ -927,15 +893,15 @@
         </p:nvSpPr>
         <p:spPr>
           <a:xfrm>
-            <a:off x="609600" y="4962525"/>
-            <a:ext cx="7885113" cy="1362075"/>
+            <a:off x="722313" y="4406900"/>
+            <a:ext cx="7772400" cy="1362075"/>
           </a:xfrm>
         </p:spPr>
         <p:txBody>
           <a:bodyPr anchor="t"/>
           <a:lstStyle>
             <a:lvl1pPr algn="l">
-              <a:defRPr sz="3200" b="0" i="0" cap="all" baseline="0"/>
+              <a:defRPr sz="4000" b="1" cap="all"/>
             </a:lvl1pPr>
           </a:lstStyle>
           <a:p>
@@ -943,13 +909,13 @@
               <a:rPr lang="ru-RU" smtClean="0"/>
               <a:t>Образец заголовка</a:t>
             </a:r>
-            <a:endParaRPr lang="en-US" dirty="0"/>
-          </a:p>
-        </p:txBody>
-      </p:sp>
-      <p:sp>
-        <p:nvSpPr>
-          <p:cNvPr id="3" name="Text Placeholder 2"/>
+            <a:endParaRPr lang="ru-RU"/>
+          </a:p>
+        </p:txBody>
+      </p:sp>
+      <p:sp>
+        <p:nvSpPr>
+          <p:cNvPr id="3" name="Текст 2"/>
           <p:cNvSpPr>
             <a:spLocks noGrp="1"/>
           </p:cNvSpPr>
@@ -959,20 +925,20 @@
         </p:nvSpPr>
         <p:spPr>
           <a:xfrm>
-            <a:off x="609600" y="3462338"/>
-            <a:ext cx="7885113" cy="1500187"/>
+            <a:off x="722313" y="2906713"/>
+            <a:ext cx="7772400" cy="1500187"/>
           </a:xfrm>
         </p:spPr>
         <p:txBody>
-          <a:bodyPr anchor="b">
-            <a:normAutofit/>
-          </a:bodyPr>
+          <a:bodyPr anchor="b"/>
           <a:lstStyle>
             <a:lvl1pPr marL="0" indent="0">
               <a:buNone/>
-              <a:defRPr sz="1700" baseline="0">
+              <a:defRPr sz="2000">
                 <a:solidFill>
-                  <a:schemeClr val="tx2"/>
+                  <a:schemeClr val="tx1">
+                    <a:tint val="75000"/>
+                  </a:schemeClr>
                 </a:solidFill>
               </a:defRPr>
             </a:lvl1pPr>
@@ -1068,7 +1034,7 @@
       </p:sp>
       <p:sp>
         <p:nvSpPr>
-          <p:cNvPr id="4" name="Date Placeholder 3"/>
+          <p:cNvPr id="4" name="Дата 3"/>
           <p:cNvSpPr>
             <a:spLocks noGrp="1"/>
           </p:cNvSpPr>
@@ -1083,6 +1049,7 @@
           <a:p>
             <a:fld id="{B4C71EC6-210F-42DE-9C53-41977AD35B3D}" type="datetimeFigureOut">
               <a:rPr lang="ru-RU" smtClean="0"/>
+              <a:pPr/>
               <a:t>20.02.2021</a:t>
             </a:fld>
             <a:endParaRPr lang="ru-RU"/>
@@ -1091,7 +1058,7 @@
       </p:sp>
       <p:sp>
         <p:nvSpPr>
-          <p:cNvPr id="5" name="Footer Placeholder 4"/>
+          <p:cNvPr id="5" name="Нижний колонтитул 4"/>
           <p:cNvSpPr>
             <a:spLocks noGrp="1"/>
           </p:cNvSpPr>
@@ -1110,7 +1077,7 @@
       </p:sp>
       <p:sp>
         <p:nvSpPr>
-          <p:cNvPr id="6" name="Slide Number Placeholder 5"/>
+          <p:cNvPr id="6" name="Номер слайда 5"/>
           <p:cNvSpPr>
             <a:spLocks noGrp="1"/>
           </p:cNvSpPr>
@@ -1125,6 +1092,7 @@
           <a:p>
             <a:fld id="{B19B0651-EE4F-4900-A07F-96A6BFA9D0F0}" type="slidenum">
               <a:rPr lang="ru-RU" smtClean="0"/>
+              <a:pPr/>
               <a:t>‹#›</a:t>
             </a:fld>
             <a:endParaRPr lang="ru-RU"/>
@@ -1158,57 +1126,72 @@
       </p:grpSpPr>
       <p:sp>
         <p:nvSpPr>
-          <p:cNvPr id="11" name="Content Placeholder 10"/>
-          <p:cNvSpPr>
-            <a:spLocks noGrp="1"/>
-          </p:cNvSpPr>
-          <p:nvPr>
-            <p:ph sz="quarter" idx="13"/>
+          <p:cNvPr id="2" name="Заголовок 1"/>
+          <p:cNvSpPr>
+            <a:spLocks noGrp="1"/>
+          </p:cNvSpPr>
+          <p:nvPr>
+            <p:ph type="title"/>
+          </p:nvPr>
+        </p:nvSpPr>
+        <p:spPr/>
+        <p:txBody>
+          <a:bodyPr/>
+          <a:lstStyle/>
+          <a:p>
+            <a:r>
+              <a:rPr lang="ru-RU" smtClean="0"/>
+              <a:t>Образец заголовка</a:t>
+            </a:r>
+            <a:endParaRPr lang="ru-RU"/>
+          </a:p>
+        </p:txBody>
+      </p:sp>
+      <p:sp>
+        <p:nvSpPr>
+          <p:cNvPr id="3" name="Содержимое 2"/>
+          <p:cNvSpPr>
+            <a:spLocks noGrp="1"/>
+          </p:cNvSpPr>
+          <p:nvPr>
+            <p:ph sz="half" idx="1"/>
           </p:nvPr>
         </p:nvSpPr>
         <p:spPr>
           <a:xfrm>
-            <a:off x="609600" y="1600200"/>
-            <a:ext cx="3733800" cy="4114800"/>
+            <a:off x="457200" y="1600200"/>
+            <a:ext cx="4038600" cy="4525963"/>
           </a:xfrm>
         </p:spPr>
         <p:txBody>
           <a:bodyPr/>
           <a:lstStyle>
+            <a:lvl1pPr>
+              <a:defRPr sz="2800"/>
+            </a:lvl1pPr>
+            <a:lvl2pPr>
+              <a:defRPr sz="2400"/>
+            </a:lvl2pPr>
+            <a:lvl3pPr>
+              <a:defRPr sz="2000"/>
+            </a:lvl3pPr>
+            <a:lvl4pPr>
+              <a:defRPr sz="1800"/>
+            </a:lvl4pPr>
             <a:lvl5pPr>
-              <a:defRPr/>
+              <a:defRPr sz="1800"/>
             </a:lvl5pPr>
             <a:lvl6pPr>
-              <a:buClr>
-                <a:schemeClr val="tx2"/>
-              </a:buClr>
-              <a:buFont typeface="Arial" pitchFamily="34" charset="0"/>
-              <a:buChar char="•"/>
-              <a:defRPr/>
+              <a:defRPr sz="1800"/>
             </a:lvl6pPr>
             <a:lvl7pPr>
-              <a:buClr>
-                <a:schemeClr val="tx2"/>
-              </a:buClr>
-              <a:buFont typeface="Arial" pitchFamily="34" charset="0"/>
-              <a:buChar char="•"/>
-              <a:defRPr/>
+              <a:defRPr sz="1800"/>
             </a:lvl7pPr>
             <a:lvl8pPr>
-              <a:buClr>
-                <a:schemeClr val="tx2"/>
-              </a:buClr>
-              <a:buFont typeface="Arial" pitchFamily="34" charset="0"/>
-              <a:buChar char="•"/>
-              <a:defRPr/>
+              <a:defRPr sz="1800"/>
             </a:lvl8pPr>
             <a:lvl9pPr>
-              <a:buClr>
-                <a:schemeClr val="tx2"/>
-              </a:buClr>
-              <a:buFont typeface="Arial" pitchFamily="34" charset="0"/>
-              <a:buChar char="•"/>
-              <a:defRPr/>
+              <a:defRPr sz="1800"/>
             </a:lvl9pPr>
           </a:lstStyle>
           <a:p>
@@ -1245,52 +1228,55 @@
               <a:rPr lang="ru-RU" smtClean="0"/>
               <a:t>Пятый уровень</a:t>
             </a:r>
-            <a:endParaRPr lang="en-US" dirty="0" smtClean="0"/>
-          </a:p>
-        </p:txBody>
-      </p:sp>
-      <p:sp>
-        <p:nvSpPr>
-          <p:cNvPr id="13" name="Content Placeholder 12"/>
-          <p:cNvSpPr>
-            <a:spLocks noGrp="1"/>
-          </p:cNvSpPr>
-          <p:nvPr>
-            <p:ph sz="quarter" idx="14"/>
+            <a:endParaRPr lang="ru-RU"/>
+          </a:p>
+        </p:txBody>
+      </p:sp>
+      <p:sp>
+        <p:nvSpPr>
+          <p:cNvPr id="4" name="Содержимое 3"/>
+          <p:cNvSpPr>
+            <a:spLocks noGrp="1"/>
+          </p:cNvSpPr>
+          <p:nvPr>
+            <p:ph sz="half" idx="2"/>
           </p:nvPr>
         </p:nvSpPr>
         <p:spPr>
           <a:xfrm>
-            <a:off x="4800600" y="1600200"/>
-            <a:ext cx="3733800" cy="4114800"/>
+            <a:off x="4648200" y="1600200"/>
+            <a:ext cx="4038600" cy="4525963"/>
           </a:xfrm>
         </p:spPr>
         <p:txBody>
           <a:bodyPr/>
           <a:lstStyle>
+            <a:lvl1pPr>
+              <a:defRPr sz="2800"/>
+            </a:lvl1pPr>
+            <a:lvl2pPr>
+              <a:defRPr sz="2400"/>
+            </a:lvl2pPr>
+            <a:lvl3pPr>
+              <a:defRPr sz="2000"/>
+            </a:lvl3pPr>
+            <a:lvl4pPr>
+              <a:defRPr sz="1800"/>
+            </a:lvl4pPr>
+            <a:lvl5pPr>
+              <a:defRPr sz="1800"/>
+            </a:lvl5pPr>
             <a:lvl6pPr>
-              <a:buClr>
-                <a:schemeClr val="tx2"/>
-              </a:buClr>
-              <a:defRPr/>
+              <a:defRPr sz="1800"/>
             </a:lvl6pPr>
             <a:lvl7pPr>
-              <a:buClr>
-                <a:schemeClr val="tx2"/>
-              </a:buClr>
-              <a:defRPr/>
+              <a:defRPr sz="1800"/>
             </a:lvl7pPr>
             <a:lvl8pPr>
-              <a:buClr>
-                <a:schemeClr val="tx2"/>
-              </a:buClr>
-              <a:defRPr/>
+              <a:defRPr sz="1800"/>
             </a:lvl8pPr>
             <a:lvl9pPr>
-              <a:buClr>
-                <a:schemeClr val="tx2"/>
-              </a:buClr>
-              <a:defRPr/>
+              <a:defRPr sz="1800"/>
             </a:lvl9pPr>
           </a:lstStyle>
           <a:p>
@@ -1327,41 +1313,13 @@
               <a:rPr lang="ru-RU" smtClean="0"/>
               <a:t>Пятый уровень</a:t>
             </a:r>
-            <a:endParaRPr lang="en-US" dirty="0" smtClean="0"/>
-          </a:p>
-        </p:txBody>
-      </p:sp>
-      <p:sp>
-        <p:nvSpPr>
-          <p:cNvPr id="2" name="Title 1"/>
-          <p:cNvSpPr>
-            <a:spLocks noGrp="1"/>
-          </p:cNvSpPr>
-          <p:nvPr>
-            <p:ph type="title"/>
-          </p:nvPr>
-        </p:nvSpPr>
-        <p:spPr>
-          <a:xfrm>
-            <a:off x="609600" y="274638"/>
-            <a:ext cx="7924800" cy="1143000"/>
-          </a:xfrm>
-        </p:spPr>
-        <p:txBody>
-          <a:bodyPr/>
-          <a:lstStyle/>
-          <a:p>
-            <a:r>
-              <a:rPr lang="ru-RU" smtClean="0"/>
-              <a:t>Образец заголовка</a:t>
-            </a:r>
-            <a:endParaRPr lang="en-US" dirty="0"/>
-          </a:p>
-        </p:txBody>
-      </p:sp>
-      <p:sp>
-        <p:nvSpPr>
-          <p:cNvPr id="5" name="Date Placeholder 4"/>
+            <a:endParaRPr lang="ru-RU"/>
+          </a:p>
+        </p:txBody>
+      </p:sp>
+      <p:sp>
+        <p:nvSpPr>
+          <p:cNvPr id="5" name="Дата 4"/>
           <p:cNvSpPr>
             <a:spLocks noGrp="1"/>
           </p:cNvSpPr>
@@ -1376,6 +1334,7 @@
           <a:p>
             <a:fld id="{B4C71EC6-210F-42DE-9C53-41977AD35B3D}" type="datetimeFigureOut">
               <a:rPr lang="ru-RU" smtClean="0"/>
+              <a:pPr/>
               <a:t>20.02.2021</a:t>
             </a:fld>
             <a:endParaRPr lang="ru-RU"/>
@@ -1384,7 +1343,7 @@
       </p:sp>
       <p:sp>
         <p:nvSpPr>
-          <p:cNvPr id="6" name="Footer Placeholder 5"/>
+          <p:cNvPr id="6" name="Нижний колонтитул 5"/>
           <p:cNvSpPr>
             <a:spLocks noGrp="1"/>
           </p:cNvSpPr>
@@ -1403,7 +1362,7 @@
       </p:sp>
       <p:sp>
         <p:nvSpPr>
-          <p:cNvPr id="7" name="Slide Number Placeholder 6"/>
+          <p:cNvPr id="7" name="Номер слайда 6"/>
           <p:cNvSpPr>
             <a:spLocks noGrp="1"/>
           </p:cNvSpPr>
@@ -1418,6 +1377,7 @@
           <a:p>
             <a:fld id="{B19B0651-EE4F-4900-A07F-96A6BFA9D0F0}" type="slidenum">
               <a:rPr lang="ru-RU" smtClean="0"/>
+              <a:pPr/>
               <a:t>‹#›</a:t>
             </a:fld>
             <a:endParaRPr lang="ru-RU"/>
@@ -1451,171 +1411,7 @@
       </p:grpSpPr>
       <p:sp>
         <p:nvSpPr>
-          <p:cNvPr id="13" name="Content Placeholder 12"/>
-          <p:cNvSpPr>
-            <a:spLocks noGrp="1"/>
-          </p:cNvSpPr>
-          <p:nvPr>
-            <p:ph sz="quarter" idx="14"/>
-          </p:nvPr>
-        </p:nvSpPr>
-        <p:spPr>
-          <a:xfrm>
-            <a:off x="4800600" y="2209800"/>
-            <a:ext cx="3733800" cy="3505200"/>
-          </a:xfrm>
-        </p:spPr>
-        <p:txBody>
-          <a:bodyPr/>
-          <a:lstStyle>
-            <a:lvl6pPr>
-              <a:buClr>
-                <a:schemeClr val="tx2"/>
-              </a:buClr>
-              <a:defRPr/>
-            </a:lvl6pPr>
-            <a:lvl7pPr>
-              <a:buClr>
-                <a:schemeClr val="tx2"/>
-              </a:buClr>
-              <a:defRPr/>
-            </a:lvl7pPr>
-            <a:lvl8pPr>
-              <a:buClr>
-                <a:schemeClr val="tx2"/>
-              </a:buClr>
-              <a:defRPr/>
-            </a:lvl8pPr>
-            <a:lvl9pPr>
-              <a:buClr>
-                <a:schemeClr val="tx2"/>
-              </a:buClr>
-              <a:defRPr/>
-            </a:lvl9pPr>
-          </a:lstStyle>
-          <a:p>
-            <a:pPr lvl="0"/>
-            <a:r>
-              <a:rPr lang="ru-RU" smtClean="0"/>
-              <a:t>Образец текста</a:t>
-            </a:r>
-          </a:p>
-          <a:p>
-            <a:pPr lvl="1"/>
-            <a:r>
-              <a:rPr lang="ru-RU" smtClean="0"/>
-              <a:t>Второй уровень</a:t>
-            </a:r>
-          </a:p>
-          <a:p>
-            <a:pPr lvl="2"/>
-            <a:r>
-              <a:rPr lang="ru-RU" smtClean="0"/>
-              <a:t>Третий уровень</a:t>
-            </a:r>
-          </a:p>
-          <a:p>
-            <a:pPr lvl="3"/>
-            <a:r>
-              <a:rPr lang="ru-RU" smtClean="0"/>
-              <a:t>Четвертый уровень</a:t>
-            </a:r>
-          </a:p>
-          <a:p>
-            <a:pPr lvl="4"/>
-            <a:r>
-              <a:rPr lang="ru-RU" smtClean="0"/>
-              <a:t>Пятый уровень</a:t>
-            </a:r>
-            <a:endParaRPr lang="en-US" dirty="0" smtClean="0"/>
-          </a:p>
-        </p:txBody>
-      </p:sp>
-      <p:sp>
-        <p:nvSpPr>
-          <p:cNvPr id="11" name="Content Placeholder 10"/>
-          <p:cNvSpPr>
-            <a:spLocks noGrp="1"/>
-          </p:cNvSpPr>
-          <p:nvPr>
-            <p:ph sz="quarter" idx="13"/>
-          </p:nvPr>
-        </p:nvSpPr>
-        <p:spPr>
-          <a:xfrm>
-            <a:off x="609600" y="2209800"/>
-            <a:ext cx="3733800" cy="3505200"/>
-          </a:xfrm>
-        </p:spPr>
-        <p:txBody>
-          <a:bodyPr/>
-          <a:lstStyle>
-            <a:lvl6pPr>
-              <a:buClr>
-                <a:schemeClr val="tx2"/>
-              </a:buClr>
-              <a:defRPr/>
-            </a:lvl6pPr>
-            <a:lvl7pPr>
-              <a:buClr>
-                <a:schemeClr val="tx2"/>
-              </a:buClr>
-              <a:defRPr/>
-            </a:lvl7pPr>
-            <a:lvl8pPr>
-              <a:buClr>
-                <a:schemeClr val="tx2"/>
-              </a:buClr>
-              <a:defRPr/>
-            </a:lvl8pPr>
-            <a:lvl9pPr>
-              <a:buClr>
-                <a:schemeClr val="tx2"/>
-              </a:buClr>
-              <a:defRPr/>
-            </a:lvl9pPr>
-          </a:lstStyle>
-          <a:p>
-            <a:pPr lvl="0"/>
-            <a:r>
-              <a:rPr lang="ru-RU" smtClean="0"/>
-              <a:t>Образец текста</a:t>
-            </a:r>
-          </a:p>
-          <a:p>
-            <a:pPr lvl="1"/>
-            <a:r>
-              <a:rPr lang="ru-RU" smtClean="0"/>
-              <a:t>Второй уровень</a:t>
-            </a:r>
-          </a:p>
-          <a:p>
-            <a:pPr lvl="2"/>
-            <a:r>
-              <a:rPr lang="ru-RU" smtClean="0"/>
-              <a:t>Третий уровень</a:t>
-            </a:r>
-          </a:p>
-          <a:p>
-            <a:pPr lvl="3"/>
-            <a:r>
-              <a:rPr lang="ru-RU" smtClean="0"/>
-              <a:t>Четвертый уровень</a:t>
-            </a:r>
-          </a:p>
-          <a:p>
-            <a:pPr lvl="4"/>
-            <a:r>
-              <a:rPr lang="ru-RU" smtClean="0"/>
-              <a:t>Пятый уровень</a:t>
-            </a:r>
-            <a:endParaRPr lang="en-US" dirty="0" smtClean="0"/>
-          </a:p>
-        </p:txBody>
-      </p:sp>
-      <p:sp>
-        <p:nvSpPr>
-          <p:cNvPr id="2" name="Title 1"/>
+          <p:cNvPr id="2" name="Заголовок 1"/>
           <p:cNvSpPr>
             <a:spLocks noGrp="1"/>
           </p:cNvSpPr>
@@ -1623,12 +1419,7 @@
             <p:ph type="title"/>
           </p:nvPr>
         </p:nvSpPr>
-        <p:spPr>
-          <a:xfrm>
-            <a:off x="609600" y="274638"/>
-            <a:ext cx="7924800" cy="1143000"/>
-          </a:xfrm>
-        </p:spPr>
+        <p:spPr/>
         <p:txBody>
           <a:bodyPr/>
           <a:lstStyle>
@@ -1641,13 +1432,13 @@
               <a:rPr lang="ru-RU" smtClean="0"/>
               <a:t>Образец заголовка</a:t>
             </a:r>
-            <a:endParaRPr lang="en-US" dirty="0"/>
-          </a:p>
-        </p:txBody>
-      </p:sp>
-      <p:sp>
-        <p:nvSpPr>
-          <p:cNvPr id="3" name="Text Placeholder 2"/>
+            <a:endParaRPr lang="ru-RU"/>
+          </a:p>
+        </p:txBody>
+      </p:sp>
+      <p:sp>
+        <p:nvSpPr>
+          <p:cNvPr id="3" name="Текст 2"/>
           <p:cNvSpPr>
             <a:spLocks noGrp="1"/>
           </p:cNvSpPr>
@@ -1657,22 +1448,16 @@
         </p:nvSpPr>
         <p:spPr>
           <a:xfrm>
-            <a:off x="609600" y="1600199"/>
-            <a:ext cx="3733800" cy="574675"/>
+            <a:off x="457200" y="1535113"/>
+            <a:ext cx="4040188" cy="639762"/>
           </a:xfrm>
         </p:spPr>
         <p:txBody>
-          <a:bodyPr anchor="b">
-            <a:normAutofit/>
-          </a:bodyPr>
+          <a:bodyPr anchor="b"/>
           <a:lstStyle>
             <a:lvl1pPr marL="0" indent="0">
               <a:buNone/>
-              <a:defRPr sz="1700" b="0" i="0" baseline="0">
-                <a:solidFill>
-                  <a:schemeClr val="tx2"/>
-                </a:solidFill>
-              </a:defRPr>
+              <a:defRPr sz="2400" b="1"/>
             </a:lvl1pPr>
             <a:lvl2pPr marL="457200" indent="0">
               <a:buNone/>
@@ -1718,32 +1503,111 @@
       </p:sp>
       <p:sp>
         <p:nvSpPr>
-          <p:cNvPr id="5" name="Text Placeholder 4"/>
-          <p:cNvSpPr>
-            <a:spLocks noGrp="1"/>
-          </p:cNvSpPr>
-          <p:nvPr>
-            <p:ph type="body" sz="quarter" idx="3"/>
+          <p:cNvPr id="4" name="Содержимое 3"/>
+          <p:cNvSpPr>
+            <a:spLocks noGrp="1"/>
+          </p:cNvSpPr>
+          <p:nvPr>
+            <p:ph sz="half" idx="2"/>
           </p:nvPr>
         </p:nvSpPr>
         <p:spPr>
           <a:xfrm>
-            <a:off x="4800600" y="1600199"/>
-            <a:ext cx="3733800" cy="574675"/>
+            <a:off x="457200" y="2174875"/>
+            <a:ext cx="4040188" cy="3951288"/>
           </a:xfrm>
         </p:spPr>
         <p:txBody>
-          <a:bodyPr anchor="b">
-            <a:normAutofit/>
-          </a:bodyPr>
+          <a:bodyPr/>
+          <a:lstStyle>
+            <a:lvl1pPr>
+              <a:defRPr sz="2400"/>
+            </a:lvl1pPr>
+            <a:lvl2pPr>
+              <a:defRPr sz="2000"/>
+            </a:lvl2pPr>
+            <a:lvl3pPr>
+              <a:defRPr sz="1800"/>
+            </a:lvl3pPr>
+            <a:lvl4pPr>
+              <a:defRPr sz="1600"/>
+            </a:lvl4pPr>
+            <a:lvl5pPr>
+              <a:defRPr sz="1600"/>
+            </a:lvl5pPr>
+            <a:lvl6pPr>
+              <a:defRPr sz="1600"/>
+            </a:lvl6pPr>
+            <a:lvl7pPr>
+              <a:defRPr sz="1600"/>
+            </a:lvl7pPr>
+            <a:lvl8pPr>
+              <a:defRPr sz="1600"/>
+            </a:lvl8pPr>
+            <a:lvl9pPr>
+              <a:defRPr sz="1600"/>
+            </a:lvl9pPr>
+          </a:lstStyle>
+          <a:p>
+            <a:pPr lvl="0"/>
+            <a:r>
+              <a:rPr lang="ru-RU" smtClean="0"/>
+              <a:t>Образец текста</a:t>
+            </a:r>
+          </a:p>
+          <a:p>
+            <a:pPr lvl="1"/>
+            <a:r>
+              <a:rPr lang="ru-RU" smtClean="0"/>
+              <a:t>Второй уровень</a:t>
+            </a:r>
+          </a:p>
+          <a:p>
+            <a:pPr lvl="2"/>
+            <a:r>
+              <a:rPr lang="ru-RU" smtClean="0"/>
+              <a:t>Третий уровень</a:t>
+            </a:r>
+          </a:p>
+          <a:p>
+            <a:pPr lvl="3"/>
+            <a:r>
+              <a:rPr lang="ru-RU" smtClean="0"/>
+              <a:t>Четвертый уровень</a:t>
+            </a:r>
+          </a:p>
+          <a:p>
+            <a:pPr lvl="4"/>
+            <a:r>
+              <a:rPr lang="ru-RU" smtClean="0"/>
+              <a:t>Пятый уровень</a:t>
+            </a:r>
+            <a:endParaRPr lang="ru-RU"/>
+          </a:p>
+        </p:txBody>
+      </p:sp>
+      <p:sp>
+        <p:nvSpPr>
+          <p:cNvPr id="5" name="Текст 4"/>
+          <p:cNvSpPr>
+            <a:spLocks noGrp="1"/>
+          </p:cNvSpPr>
+          <p:nvPr>
+            <p:ph type="body" sz="quarter" idx="3"/>
+          </p:nvPr>
+        </p:nvSpPr>
+        <p:spPr>
+          <a:xfrm>
+            <a:off x="4645025" y="1535113"/>
+            <a:ext cx="4041775" cy="639762"/>
+          </a:xfrm>
+        </p:spPr>
+        <p:txBody>
+          <a:bodyPr anchor="b"/>
           <a:lstStyle>
             <a:lvl1pPr marL="0" indent="0">
               <a:buNone/>
-              <a:defRPr sz="1700" b="0" i="0" baseline="0">
-                <a:solidFill>
-                  <a:schemeClr val="tx2"/>
-                </a:solidFill>
-              </a:defRPr>
+              <a:defRPr sz="2400" b="1"/>
             </a:lvl1pPr>
             <a:lvl2pPr marL="457200" indent="0">
               <a:buNone/>
@@ -1789,7 +1653,92 @@
       </p:sp>
       <p:sp>
         <p:nvSpPr>
-          <p:cNvPr id="7" name="Date Placeholder 6"/>
+          <p:cNvPr id="6" name="Содержимое 5"/>
+          <p:cNvSpPr>
+            <a:spLocks noGrp="1"/>
+          </p:cNvSpPr>
+          <p:nvPr>
+            <p:ph sz="quarter" idx="4"/>
+          </p:nvPr>
+        </p:nvSpPr>
+        <p:spPr>
+          <a:xfrm>
+            <a:off x="4645025" y="2174875"/>
+            <a:ext cx="4041775" cy="3951288"/>
+          </a:xfrm>
+        </p:spPr>
+        <p:txBody>
+          <a:bodyPr/>
+          <a:lstStyle>
+            <a:lvl1pPr>
+              <a:defRPr sz="2400"/>
+            </a:lvl1pPr>
+            <a:lvl2pPr>
+              <a:defRPr sz="2000"/>
+            </a:lvl2pPr>
+            <a:lvl3pPr>
+              <a:defRPr sz="1800"/>
+            </a:lvl3pPr>
+            <a:lvl4pPr>
+              <a:defRPr sz="1600"/>
+            </a:lvl4pPr>
+            <a:lvl5pPr>
+              <a:defRPr sz="1600"/>
+            </a:lvl5pPr>
+            <a:lvl6pPr>
+              <a:defRPr sz="1600"/>
+            </a:lvl6pPr>
+            <a:lvl7pPr>
+              <a:defRPr sz="1600"/>
+            </a:lvl7pPr>
+            <a:lvl8pPr>
+              <a:defRPr sz="1600"/>
+            </a:lvl8pPr>
+            <a:lvl9pPr>
+              <a:defRPr sz="1600"/>
+            </a:lvl9pPr>
+          </a:lstStyle>
+          <a:p>
+            <a:pPr lvl="0"/>
+            <a:r>
+              <a:rPr lang="ru-RU" smtClean="0"/>
+              <a:t>Образец текста</a:t>
+            </a:r>
+          </a:p>
+          <a:p>
+            <a:pPr lvl="1"/>
+            <a:r>
+              <a:rPr lang="ru-RU" smtClean="0"/>
+              <a:t>Второй уровень</a:t>
+            </a:r>
+          </a:p>
+          <a:p>
+            <a:pPr lvl="2"/>
+            <a:r>
+              <a:rPr lang="ru-RU" smtClean="0"/>
+              <a:t>Третий уровень</a:t>
+            </a:r>
+          </a:p>
+          <a:p>
+            <a:pPr lvl="3"/>
+            <a:r>
+              <a:rPr lang="ru-RU" smtClean="0"/>
+              <a:t>Четвертый уровень</a:t>
+            </a:r>
+          </a:p>
+          <a:p>
+            <a:pPr lvl="4"/>
+            <a:r>
+              <a:rPr lang="ru-RU" smtClean="0"/>
+              <a:t>Пятый уровень</a:t>
+            </a:r>
+            <a:endParaRPr lang="ru-RU"/>
+          </a:p>
+        </p:txBody>
+      </p:sp>
+      <p:sp>
+        <p:nvSpPr>
+          <p:cNvPr id="7" name="Дата 6"/>
           <p:cNvSpPr>
             <a:spLocks noGrp="1"/>
           </p:cNvSpPr>
@@ -1804,6 +1753,7 @@
           <a:p>
             <a:fld id="{B4C71EC6-210F-42DE-9C53-41977AD35B3D}" type="datetimeFigureOut">
               <a:rPr lang="ru-RU" smtClean="0"/>
+              <a:pPr/>
               <a:t>20.02.2021</a:t>
             </a:fld>
             <a:endParaRPr lang="ru-RU"/>
@@ -1812,7 +1762,7 @@
       </p:sp>
       <p:sp>
         <p:nvSpPr>
-          <p:cNvPr id="8" name="Footer Placeholder 7"/>
+          <p:cNvPr id="8" name="Нижний колонтитул 7"/>
           <p:cNvSpPr>
             <a:spLocks noGrp="1"/>
           </p:cNvSpPr>
@@ -1831,7 +1781,7 @@
       </p:sp>
       <p:sp>
         <p:nvSpPr>
-          <p:cNvPr id="9" name="Slide Number Placeholder 8"/>
+          <p:cNvPr id="9" name="Номер слайда 8"/>
           <p:cNvSpPr>
             <a:spLocks noGrp="1"/>
           </p:cNvSpPr>
@@ -1846,6 +1796,7 @@
           <a:p>
             <a:fld id="{B19B0651-EE4F-4900-A07F-96A6BFA9D0F0}" type="slidenum">
               <a:rPr lang="ru-RU" smtClean="0"/>
+              <a:pPr/>
               <a:t>‹#›</a:t>
             </a:fld>
             <a:endParaRPr lang="ru-RU"/>
@@ -1879,7 +1830,7 @@
       </p:grpSpPr>
       <p:sp>
         <p:nvSpPr>
-          <p:cNvPr id="2" name="Title 1"/>
+          <p:cNvPr id="2" name="Заголовок 1"/>
           <p:cNvSpPr>
             <a:spLocks noGrp="1"/>
           </p:cNvSpPr>
@@ -1887,12 +1838,7 @@
             <p:ph type="title"/>
           </p:nvPr>
         </p:nvSpPr>
-        <p:spPr>
-          <a:xfrm>
-            <a:off x="609600" y="274638"/>
-            <a:ext cx="7924800" cy="1143000"/>
-          </a:xfrm>
-        </p:spPr>
+        <p:spPr/>
         <p:txBody>
           <a:bodyPr/>
           <a:lstStyle/>
@@ -1901,13 +1847,13 @@
               <a:rPr lang="ru-RU" smtClean="0"/>
               <a:t>Образец заголовка</a:t>
             </a:r>
-            <a:endParaRPr lang="en-US" dirty="0"/>
-          </a:p>
-        </p:txBody>
-      </p:sp>
-      <p:sp>
-        <p:nvSpPr>
-          <p:cNvPr id="3" name="Date Placeholder 2"/>
+            <a:endParaRPr lang="ru-RU"/>
+          </a:p>
+        </p:txBody>
+      </p:sp>
+      <p:sp>
+        <p:nvSpPr>
+          <p:cNvPr id="3" name="Дата 2"/>
           <p:cNvSpPr>
             <a:spLocks noGrp="1"/>
           </p:cNvSpPr>
@@ -1922,6 +1868,7 @@
           <a:p>
             <a:fld id="{B4C71EC6-210F-42DE-9C53-41977AD35B3D}" type="datetimeFigureOut">
               <a:rPr lang="ru-RU" smtClean="0"/>
+              <a:pPr/>
               <a:t>20.02.2021</a:t>
             </a:fld>
             <a:endParaRPr lang="ru-RU"/>
@@ -1930,7 +1877,7 @@
       </p:sp>
       <p:sp>
         <p:nvSpPr>
-          <p:cNvPr id="4" name="Footer Placeholder 3"/>
+          <p:cNvPr id="4" name="Нижний колонтитул 3"/>
           <p:cNvSpPr>
             <a:spLocks noGrp="1"/>
           </p:cNvSpPr>
@@ -1949,7 +1896,7 @@
       </p:sp>
       <p:sp>
         <p:nvSpPr>
-          <p:cNvPr id="5" name="Slide Number Placeholder 4"/>
+          <p:cNvPr id="5" name="Номер слайда 4"/>
           <p:cNvSpPr>
             <a:spLocks noGrp="1"/>
           </p:cNvSpPr>
@@ -1964,6 +1911,7 @@
           <a:p>
             <a:fld id="{B19B0651-EE4F-4900-A07F-96A6BFA9D0F0}" type="slidenum">
               <a:rPr lang="ru-RU" smtClean="0"/>
+              <a:pPr/>
               <a:t>‹#›</a:t>
             </a:fld>
             <a:endParaRPr lang="ru-RU"/>
@@ -1997,7 +1945,7 @@
       </p:grpSpPr>
       <p:sp>
         <p:nvSpPr>
-          <p:cNvPr id="2" name="Date Placeholder 1"/>
+          <p:cNvPr id="2" name="Дата 1"/>
           <p:cNvSpPr>
             <a:spLocks noGrp="1"/>
           </p:cNvSpPr>
@@ -2012,6 +1960,7 @@
           <a:p>
             <a:fld id="{B4C71EC6-210F-42DE-9C53-41977AD35B3D}" type="datetimeFigureOut">
               <a:rPr lang="ru-RU" smtClean="0"/>
+              <a:pPr/>
               <a:t>20.02.2021</a:t>
             </a:fld>
             <a:endParaRPr lang="ru-RU"/>
@@ -2020,7 +1969,7 @@
       </p:sp>
       <p:sp>
         <p:nvSpPr>
-          <p:cNvPr id="3" name="Footer Placeholder 2"/>
+          <p:cNvPr id="3" name="Нижний колонтитул 2"/>
           <p:cNvSpPr>
             <a:spLocks noGrp="1"/>
           </p:cNvSpPr>
@@ -2039,7 +1988,7 @@
       </p:sp>
       <p:sp>
         <p:nvSpPr>
-          <p:cNvPr id="4" name="Slide Number Placeholder 3"/>
+          <p:cNvPr id="4" name="Номер слайда 3"/>
           <p:cNvSpPr>
             <a:spLocks noGrp="1"/>
           </p:cNvSpPr>
@@ -2054,6 +2003,7 @@
           <a:p>
             <a:fld id="{B19B0651-EE4F-4900-A07F-96A6BFA9D0F0}" type="slidenum">
               <a:rPr lang="ru-RU" smtClean="0"/>
+              <a:pPr/>
               <a:t>‹#›</a:t>
             </a:fld>
             <a:endParaRPr lang="ru-RU"/>
@@ -2087,86 +2037,25 @@
       </p:grpSpPr>
       <p:sp>
         <p:nvSpPr>
-          <p:cNvPr id="9" name="Content Placeholder 8"/>
-          <p:cNvSpPr>
-            <a:spLocks noGrp="1"/>
-          </p:cNvSpPr>
-          <p:nvPr>
-            <p:ph sz="quarter" idx="13"/>
+          <p:cNvPr id="2" name="Заголовок 1"/>
+          <p:cNvSpPr>
+            <a:spLocks noGrp="1"/>
+          </p:cNvSpPr>
+          <p:nvPr>
+            <p:ph type="title"/>
           </p:nvPr>
         </p:nvSpPr>
         <p:spPr>
           <a:xfrm>
-            <a:off x="3962400" y="1447800"/>
-            <a:ext cx="4648200" cy="4267200"/>
-          </a:xfrm>
-        </p:spPr>
-        <p:txBody>
-          <a:bodyPr/>
-          <a:lstStyle/>
-          <a:p>
-            <a:pPr lvl="0"/>
-            <a:r>
-              <a:rPr lang="ru-RU" smtClean="0"/>
-              <a:t>Образец текста</a:t>
-            </a:r>
-          </a:p>
-          <a:p>
-            <a:pPr lvl="1"/>
-            <a:r>
-              <a:rPr lang="ru-RU" smtClean="0"/>
-              <a:t>Второй уровень</a:t>
-            </a:r>
-          </a:p>
-          <a:p>
-            <a:pPr lvl="2"/>
-            <a:r>
-              <a:rPr lang="ru-RU" smtClean="0"/>
-              <a:t>Третий уровень</a:t>
-            </a:r>
-          </a:p>
-          <a:p>
-            <a:pPr lvl="3"/>
-            <a:r>
-              <a:rPr lang="ru-RU" smtClean="0"/>
-              <a:t>Четвертый уровень</a:t>
-            </a:r>
-          </a:p>
-          <a:p>
-            <a:pPr lvl="4"/>
-            <a:r>
-              <a:rPr lang="ru-RU" smtClean="0"/>
-              <a:t>Пятый уровень</a:t>
-            </a:r>
-            <a:endParaRPr lang="en-US" dirty="0"/>
-          </a:p>
-        </p:txBody>
-      </p:sp>
-      <p:sp>
-        <p:nvSpPr>
-          <p:cNvPr id="2" name="Title 1"/>
-          <p:cNvSpPr>
-            <a:spLocks noGrp="1"/>
-          </p:cNvSpPr>
-          <p:nvPr>
-            <p:ph type="title"/>
-          </p:nvPr>
-        </p:nvSpPr>
-        <p:spPr>
-          <a:xfrm>
-            <a:off x="612648" y="1447800"/>
-            <a:ext cx="2971800" cy="1097280"/>
+            <a:off x="457200" y="273050"/>
+            <a:ext cx="3008313" cy="1162050"/>
           </a:xfrm>
         </p:spPr>
         <p:txBody>
           <a:bodyPr anchor="b"/>
           <a:lstStyle>
             <a:lvl1pPr algn="l">
-              <a:defRPr sz="1800" b="0" i="0" cap="none" baseline="0">
-                <a:solidFill>
-                  <a:schemeClr val="tx2"/>
-                </a:solidFill>
-              </a:defRPr>
+              <a:defRPr sz="2000" b="1"/>
             </a:lvl1pPr>
           </a:lstStyle>
           <a:p>
@@ -2174,30 +2063,113 @@
               <a:rPr lang="ru-RU" smtClean="0"/>
               <a:t>Образец заголовка</a:t>
             </a:r>
-            <a:endParaRPr lang="en-US" dirty="0"/>
-          </a:p>
-        </p:txBody>
-      </p:sp>
-      <p:sp>
-        <p:nvSpPr>
-          <p:cNvPr id="4" name="Text Placeholder 3"/>
-          <p:cNvSpPr>
-            <a:spLocks noGrp="1"/>
-          </p:cNvSpPr>
-          <p:nvPr>
-            <p:ph type="body" sz="half" idx="2"/>
+            <a:endParaRPr lang="ru-RU"/>
+          </a:p>
+        </p:txBody>
+      </p:sp>
+      <p:sp>
+        <p:nvSpPr>
+          <p:cNvPr id="3" name="Содержимое 2"/>
+          <p:cNvSpPr>
+            <a:spLocks noGrp="1"/>
+          </p:cNvSpPr>
+          <p:nvPr>
+            <p:ph idx="1"/>
           </p:nvPr>
         </p:nvSpPr>
         <p:spPr>
           <a:xfrm>
-            <a:off x="612648" y="2547891"/>
-            <a:ext cx="2971800" cy="3167109"/>
+            <a:off x="3575050" y="273050"/>
+            <a:ext cx="5111750" cy="5853113"/>
           </a:xfrm>
         </p:spPr>
         <p:txBody>
-          <a:bodyPr tIns="9144">
-            <a:normAutofit/>
-          </a:bodyPr>
+          <a:bodyPr/>
+          <a:lstStyle>
+            <a:lvl1pPr>
+              <a:defRPr sz="3200"/>
+            </a:lvl1pPr>
+            <a:lvl2pPr>
+              <a:defRPr sz="2800"/>
+            </a:lvl2pPr>
+            <a:lvl3pPr>
+              <a:defRPr sz="2400"/>
+            </a:lvl3pPr>
+            <a:lvl4pPr>
+              <a:defRPr sz="2000"/>
+            </a:lvl4pPr>
+            <a:lvl5pPr>
+              <a:defRPr sz="2000"/>
+            </a:lvl5pPr>
+            <a:lvl6pPr>
+              <a:defRPr sz="2000"/>
+            </a:lvl6pPr>
+            <a:lvl7pPr>
+              <a:defRPr sz="2000"/>
+            </a:lvl7pPr>
+            <a:lvl8pPr>
+              <a:defRPr sz="2000"/>
+            </a:lvl8pPr>
+            <a:lvl9pPr>
+              <a:defRPr sz="2000"/>
+            </a:lvl9pPr>
+          </a:lstStyle>
+          <a:p>
+            <a:pPr lvl="0"/>
+            <a:r>
+              <a:rPr lang="ru-RU" smtClean="0"/>
+              <a:t>Образец текста</a:t>
+            </a:r>
+          </a:p>
+          <a:p>
+            <a:pPr lvl="1"/>
+            <a:r>
+              <a:rPr lang="ru-RU" smtClean="0"/>
+              <a:t>Второй уровень</a:t>
+            </a:r>
+          </a:p>
+          <a:p>
+            <a:pPr lvl="2"/>
+            <a:r>
+              <a:rPr lang="ru-RU" smtClean="0"/>
+              <a:t>Третий уровень</a:t>
+            </a:r>
+          </a:p>
+          <a:p>
+            <a:pPr lvl="3"/>
+            <a:r>
+              <a:rPr lang="ru-RU" smtClean="0"/>
+              <a:t>Четвертый уровень</a:t>
+            </a:r>
+          </a:p>
+          <a:p>
+            <a:pPr lvl="4"/>
+            <a:r>
+              <a:rPr lang="ru-RU" smtClean="0"/>
+              <a:t>Пятый уровень</a:t>
+            </a:r>
+            <a:endParaRPr lang="ru-RU"/>
+          </a:p>
+        </p:txBody>
+      </p:sp>
+      <p:sp>
+        <p:nvSpPr>
+          <p:cNvPr id="4" name="Текст 3"/>
+          <p:cNvSpPr>
+            <a:spLocks noGrp="1"/>
+          </p:cNvSpPr>
+          <p:nvPr>
+            <p:ph type="body" sz="half" idx="2"/>
+          </p:nvPr>
+        </p:nvSpPr>
+        <p:spPr>
+          <a:xfrm>
+            <a:off x="457200" y="1435100"/>
+            <a:ext cx="3008313" cy="4691063"/>
+          </a:xfrm>
+        </p:spPr>
+        <p:txBody>
+          <a:bodyPr/>
           <a:lstStyle>
             <a:lvl1pPr marL="0" indent="0">
               <a:buNone/>
@@ -2247,7 +2219,7 @@
       </p:sp>
       <p:sp>
         <p:nvSpPr>
-          <p:cNvPr id="5" name="Date Placeholder 4"/>
+          <p:cNvPr id="5" name="Дата 4"/>
           <p:cNvSpPr>
             <a:spLocks noGrp="1"/>
           </p:cNvSpPr>
@@ -2262,6 +2234,7 @@
           <a:p>
             <a:fld id="{B4C71EC6-210F-42DE-9C53-41977AD35B3D}" type="datetimeFigureOut">
               <a:rPr lang="ru-RU" smtClean="0"/>
+              <a:pPr/>
               <a:t>20.02.2021</a:t>
             </a:fld>
             <a:endParaRPr lang="ru-RU"/>
@@ -2270,7 +2243,7 @@
       </p:sp>
       <p:sp>
         <p:nvSpPr>
-          <p:cNvPr id="6" name="Footer Placeholder 5"/>
+          <p:cNvPr id="6" name="Нижний колонтитул 5"/>
           <p:cNvSpPr>
             <a:spLocks noGrp="1"/>
           </p:cNvSpPr>
@@ -2289,7 +2262,7 @@
       </p:sp>
       <p:sp>
         <p:nvSpPr>
-          <p:cNvPr id="7" name="Slide Number Placeholder 6"/>
+          <p:cNvPr id="7" name="Номер слайда 6"/>
           <p:cNvSpPr>
             <a:spLocks noGrp="1"/>
           </p:cNvSpPr>
@@ -2304,6 +2277,7 @@
           <a:p>
             <a:fld id="{B19B0651-EE4F-4900-A07F-96A6BFA9D0F0}" type="slidenum">
               <a:rPr lang="ru-RU" smtClean="0"/>
+              <a:pPr/>
               <a:t>‹#›</a:t>
             </a:fld>
             <a:endParaRPr lang="ru-RU"/>
@@ -2319,7 +2293,7 @@
 </file>
 
 <file path=ppt/slideLayouts/slideLayout9.xml><?xml version="1.0" encoding="utf-8"?>
-<p:sldLayout xmlns:a="http://schemas.openxmlformats.org/drawingml/2006/main" xmlns:r="http://schemas.openxmlformats.org/officeDocument/2006/relationships" xmlns:p="http://schemas.openxmlformats.org/presentationml/2006/main" showMasterSp="0" type="picTx" preserve="1">
+<p:sldLayout xmlns:a="http://schemas.openxmlformats.org/drawingml/2006/main" xmlns:r="http://schemas.openxmlformats.org/officeDocument/2006/relationships" xmlns:p="http://schemas.openxmlformats.org/presentationml/2006/main" type="picTx" preserve="1">
   <p:cSld name="Рисунок с подписью">
     <p:spTree>
       <p:nvGrpSpPr>
@@ -2335,55 +2309,27 @@
           <a:chExt cx="0" cy="0"/>
         </a:xfrm>
       </p:grpSpPr>
-      <p:pic>
-        <p:nvPicPr>
-          <p:cNvPr id="11" name="Picture 10" descr="horizon.png"/>
-          <p:cNvPicPr>
-            <a:picLocks noChangeAspect="1"/>
-          </p:cNvPicPr>
-          <p:nvPr/>
-        </p:nvPicPr>
-        <p:blipFill>
-          <a:blip r:embed="rId2" cstate="print"/>
-          <a:stretch>
-            <a:fillRect/>
-          </a:stretch>
-        </p:blipFill>
+      <p:sp>
+        <p:nvSpPr>
+          <p:cNvPr id="2" name="Заголовок 1"/>
+          <p:cNvSpPr>
+            <a:spLocks noGrp="1"/>
+          </p:cNvSpPr>
+          <p:nvPr>
+            <p:ph type="title"/>
+          </p:nvPr>
+        </p:nvSpPr>
         <p:spPr>
           <a:xfrm>
-            <a:off x="0" y="0"/>
-            <a:ext cx="9144000" cy="6858000"/>
-          </a:xfrm>
-          <a:prstGeom prst="rect">
-            <a:avLst/>
-          </a:prstGeom>
-        </p:spPr>
-      </p:pic>
-      <p:sp>
-        <p:nvSpPr>
-          <p:cNvPr id="2" name="Title 1"/>
-          <p:cNvSpPr>
-            <a:spLocks noGrp="1"/>
-          </p:cNvSpPr>
-          <p:nvPr>
-            <p:ph type="title"/>
-          </p:nvPr>
-        </p:nvSpPr>
-        <p:spPr>
-          <a:xfrm>
-            <a:off x="609600" y="1447800"/>
-            <a:ext cx="2971800" cy="1097280"/>
+            <a:off x="1792288" y="4800600"/>
+            <a:ext cx="5486400" cy="566738"/>
           </a:xfrm>
         </p:spPr>
         <p:txBody>
           <a:bodyPr anchor="b"/>
           <a:lstStyle>
             <a:lvl1pPr algn="l">
-              <a:defRPr sz="1800" b="0" i="0" cap="none" baseline="0">
-                <a:solidFill>
-                  <a:schemeClr val="tx2"/>
-                </a:solidFill>
-              </a:defRPr>
+              <a:defRPr sz="2000" b="1"/>
             </a:lvl1pPr>
           </a:lstStyle>
           <a:p>
@@ -2391,13 +2337,13 @@
               <a:rPr lang="ru-RU" smtClean="0"/>
               <a:t>Образец заголовка</a:t>
             </a:r>
-            <a:endParaRPr lang="en-US" dirty="0"/>
-          </a:p>
-        </p:txBody>
-      </p:sp>
-      <p:sp>
-        <p:nvSpPr>
-          <p:cNvPr id="3" name="Picture Placeholder 2"/>
+            <a:endParaRPr lang="ru-RU"/>
+          </a:p>
+        </p:txBody>
+      </p:sp>
+      <p:sp>
+        <p:nvSpPr>
+          <p:cNvPr id="3" name="Рисунок 2"/>
           <p:cNvSpPr>
             <a:spLocks noGrp="1"/>
           </p:cNvSpPr>
@@ -2407,250 +2353,16 @@
         </p:nvSpPr>
         <p:spPr>
           <a:xfrm>
-            <a:off x="4657344" y="1447800"/>
-            <a:ext cx="3419856" cy="3474720"/>
+            <a:off x="1792288" y="612775"/>
+            <a:ext cx="5486400" cy="4114800"/>
           </a:xfrm>
-          <a:custGeom>
-            <a:avLst/>
-            <a:gdLst>
-              <a:gd name="connsiteX0" fmla="*/ 0 w 3419856"/>
-              <a:gd name="connsiteY0" fmla="*/ 74450 h 3429000"/>
-              <a:gd name="connsiteX1" fmla="*/ 21806 w 3419856"/>
-              <a:gd name="connsiteY1" fmla="*/ 21806 h 3429000"/>
-              <a:gd name="connsiteX2" fmla="*/ 74450 w 3419856"/>
-              <a:gd name="connsiteY2" fmla="*/ 0 h 3429000"/>
-              <a:gd name="connsiteX3" fmla="*/ 3345406 w 3419856"/>
-              <a:gd name="connsiteY3" fmla="*/ 0 h 3429000"/>
-              <a:gd name="connsiteX4" fmla="*/ 3398050 w 3419856"/>
-              <a:gd name="connsiteY4" fmla="*/ 21806 h 3429000"/>
-              <a:gd name="connsiteX5" fmla="*/ 3419856 w 3419856"/>
-              <a:gd name="connsiteY5" fmla="*/ 74450 h 3429000"/>
-              <a:gd name="connsiteX6" fmla="*/ 3419856 w 3419856"/>
-              <a:gd name="connsiteY6" fmla="*/ 3354550 h 3429000"/>
-              <a:gd name="connsiteX7" fmla="*/ 3398050 w 3419856"/>
-              <a:gd name="connsiteY7" fmla="*/ 3407194 h 3429000"/>
-              <a:gd name="connsiteX8" fmla="*/ 3345406 w 3419856"/>
-              <a:gd name="connsiteY8" fmla="*/ 3429000 h 3429000"/>
-              <a:gd name="connsiteX9" fmla="*/ 74450 w 3419856"/>
-              <a:gd name="connsiteY9" fmla="*/ 3429000 h 3429000"/>
-              <a:gd name="connsiteX10" fmla="*/ 21806 w 3419856"/>
-              <a:gd name="connsiteY10" fmla="*/ 3407194 h 3429000"/>
-              <a:gd name="connsiteX11" fmla="*/ 0 w 3419856"/>
-              <a:gd name="connsiteY11" fmla="*/ 3354550 h 3429000"/>
-              <a:gd name="connsiteX12" fmla="*/ 0 w 3419856"/>
-              <a:gd name="connsiteY12" fmla="*/ 74450 h 3429000"/>
-              <a:gd name="connsiteX0" fmla="*/ 0 w 3419856"/>
-              <a:gd name="connsiteY0" fmla="*/ 74450 h 3429000"/>
-              <a:gd name="connsiteX1" fmla="*/ 21806 w 3419856"/>
-              <a:gd name="connsiteY1" fmla="*/ 21806 h 3429000"/>
-              <a:gd name="connsiteX2" fmla="*/ 74450 w 3419856"/>
-              <a:gd name="connsiteY2" fmla="*/ 0 h 3429000"/>
-              <a:gd name="connsiteX3" fmla="*/ 3345406 w 3419856"/>
-              <a:gd name="connsiteY3" fmla="*/ 0 h 3429000"/>
-              <a:gd name="connsiteX4" fmla="*/ 3398050 w 3419856"/>
-              <a:gd name="connsiteY4" fmla="*/ 21806 h 3429000"/>
-              <a:gd name="connsiteX5" fmla="*/ 3419856 w 3419856"/>
-              <a:gd name="connsiteY5" fmla="*/ 74450 h 3429000"/>
-              <a:gd name="connsiteX6" fmla="*/ 3419856 w 3419856"/>
-              <a:gd name="connsiteY6" fmla="*/ 3354550 h 3429000"/>
-              <a:gd name="connsiteX7" fmla="*/ 3398050 w 3419856"/>
-              <a:gd name="connsiteY7" fmla="*/ 3407194 h 3429000"/>
-              <a:gd name="connsiteX8" fmla="*/ 3345406 w 3419856"/>
-              <a:gd name="connsiteY8" fmla="*/ 3429000 h 3429000"/>
-              <a:gd name="connsiteX9" fmla="*/ 21806 w 3419856"/>
-              <a:gd name="connsiteY9" fmla="*/ 3407194 h 3429000"/>
-              <a:gd name="connsiteX10" fmla="*/ 0 w 3419856"/>
-              <a:gd name="connsiteY10" fmla="*/ 3354550 h 3429000"/>
-              <a:gd name="connsiteX11" fmla="*/ 0 w 3419856"/>
-              <a:gd name="connsiteY11" fmla="*/ 74450 h 3429000"/>
-              <a:gd name="connsiteX0" fmla="*/ 0 w 3964392"/>
-              <a:gd name="connsiteY0" fmla="*/ 74450 h 3415968"/>
-              <a:gd name="connsiteX1" fmla="*/ 21806 w 3964392"/>
-              <a:gd name="connsiteY1" fmla="*/ 21806 h 3415968"/>
-              <a:gd name="connsiteX2" fmla="*/ 74450 w 3964392"/>
-              <a:gd name="connsiteY2" fmla="*/ 0 h 3415968"/>
-              <a:gd name="connsiteX3" fmla="*/ 3345406 w 3964392"/>
-              <a:gd name="connsiteY3" fmla="*/ 0 h 3415968"/>
-              <a:gd name="connsiteX4" fmla="*/ 3398050 w 3964392"/>
-              <a:gd name="connsiteY4" fmla="*/ 21806 h 3415968"/>
-              <a:gd name="connsiteX5" fmla="*/ 3419856 w 3964392"/>
-              <a:gd name="connsiteY5" fmla="*/ 74450 h 3415968"/>
-              <a:gd name="connsiteX6" fmla="*/ 3419856 w 3964392"/>
-              <a:gd name="connsiteY6" fmla="*/ 3354550 h 3415968"/>
-              <a:gd name="connsiteX7" fmla="*/ 3398050 w 3964392"/>
-              <a:gd name="connsiteY7" fmla="*/ 3407194 h 3415968"/>
-              <a:gd name="connsiteX8" fmla="*/ 21806 w 3964392"/>
-              <a:gd name="connsiteY8" fmla="*/ 3407194 h 3415968"/>
-              <a:gd name="connsiteX9" fmla="*/ 0 w 3964392"/>
-              <a:gd name="connsiteY9" fmla="*/ 3354550 h 3415968"/>
-              <a:gd name="connsiteX10" fmla="*/ 0 w 3964392"/>
-              <a:gd name="connsiteY10" fmla="*/ 74450 h 3415968"/>
-              <a:gd name="connsiteX0" fmla="*/ 0 w 3964392"/>
-              <a:gd name="connsiteY0" fmla="*/ 74450 h 3415968"/>
-              <a:gd name="connsiteX1" fmla="*/ 21806 w 3964392"/>
-              <a:gd name="connsiteY1" fmla="*/ 21806 h 3415968"/>
-              <a:gd name="connsiteX2" fmla="*/ 74450 w 3964392"/>
-              <a:gd name="connsiteY2" fmla="*/ 0 h 3415968"/>
-              <a:gd name="connsiteX3" fmla="*/ 3345406 w 3964392"/>
-              <a:gd name="connsiteY3" fmla="*/ 0 h 3415968"/>
-              <a:gd name="connsiteX4" fmla="*/ 3398050 w 3964392"/>
-              <a:gd name="connsiteY4" fmla="*/ 21806 h 3415968"/>
-              <a:gd name="connsiteX5" fmla="*/ 3419856 w 3964392"/>
-              <a:gd name="connsiteY5" fmla="*/ 74450 h 3415968"/>
-              <a:gd name="connsiteX6" fmla="*/ 3419856 w 3964392"/>
-              <a:gd name="connsiteY6" fmla="*/ 3354550 h 3415968"/>
-              <a:gd name="connsiteX7" fmla="*/ 3398050 w 3964392"/>
-              <a:gd name="connsiteY7" fmla="*/ 3407194 h 3415968"/>
-              <a:gd name="connsiteX8" fmla="*/ 21806 w 3964392"/>
-              <a:gd name="connsiteY8" fmla="*/ 3407194 h 3415968"/>
-              <a:gd name="connsiteX9" fmla="*/ 0 w 3964392"/>
-              <a:gd name="connsiteY9" fmla="*/ 3354550 h 3415968"/>
-              <a:gd name="connsiteX10" fmla="*/ 0 w 3964392"/>
-              <a:gd name="connsiteY10" fmla="*/ 74450 h 3415968"/>
-              <a:gd name="connsiteX0" fmla="*/ 0 w 3968026"/>
-              <a:gd name="connsiteY0" fmla="*/ 74450 h 3910007"/>
-              <a:gd name="connsiteX1" fmla="*/ 21806 w 3968026"/>
-              <a:gd name="connsiteY1" fmla="*/ 21806 h 3910007"/>
-              <a:gd name="connsiteX2" fmla="*/ 74450 w 3968026"/>
-              <a:gd name="connsiteY2" fmla="*/ 0 h 3910007"/>
-              <a:gd name="connsiteX3" fmla="*/ 3345406 w 3968026"/>
-              <a:gd name="connsiteY3" fmla="*/ 0 h 3910007"/>
-              <a:gd name="connsiteX4" fmla="*/ 3398050 w 3968026"/>
-              <a:gd name="connsiteY4" fmla="*/ 21806 h 3910007"/>
-              <a:gd name="connsiteX5" fmla="*/ 3419856 w 3968026"/>
-              <a:gd name="connsiteY5" fmla="*/ 74450 h 3910007"/>
-              <a:gd name="connsiteX6" fmla="*/ 3419856 w 3968026"/>
-              <a:gd name="connsiteY6" fmla="*/ 3354550 h 3910007"/>
-              <a:gd name="connsiteX7" fmla="*/ 3398050 w 3968026"/>
-              <a:gd name="connsiteY7" fmla="*/ 3407194 h 3910007"/>
-              <a:gd name="connsiteX8" fmla="*/ 0 w 3968026"/>
-              <a:gd name="connsiteY8" fmla="*/ 3354550 h 3910007"/>
-              <a:gd name="connsiteX9" fmla="*/ 0 w 3968026"/>
-              <a:gd name="connsiteY9" fmla="*/ 74450 h 3910007"/>
-              <a:gd name="connsiteX0" fmla="*/ 0 w 3419856"/>
-              <a:gd name="connsiteY0" fmla="*/ 74450 h 3901233"/>
-              <a:gd name="connsiteX1" fmla="*/ 21806 w 3419856"/>
-              <a:gd name="connsiteY1" fmla="*/ 21806 h 3901233"/>
-              <a:gd name="connsiteX2" fmla="*/ 74450 w 3419856"/>
-              <a:gd name="connsiteY2" fmla="*/ 0 h 3901233"/>
-              <a:gd name="connsiteX3" fmla="*/ 3345406 w 3419856"/>
-              <a:gd name="connsiteY3" fmla="*/ 0 h 3901233"/>
-              <a:gd name="connsiteX4" fmla="*/ 3398050 w 3419856"/>
-              <a:gd name="connsiteY4" fmla="*/ 21806 h 3901233"/>
-              <a:gd name="connsiteX5" fmla="*/ 3419856 w 3419856"/>
-              <a:gd name="connsiteY5" fmla="*/ 74450 h 3901233"/>
-              <a:gd name="connsiteX6" fmla="*/ 3419856 w 3419856"/>
-              <a:gd name="connsiteY6" fmla="*/ 3354550 h 3901233"/>
-              <a:gd name="connsiteX7" fmla="*/ 0 w 3419856"/>
-              <a:gd name="connsiteY7" fmla="*/ 3354550 h 3901233"/>
-              <a:gd name="connsiteX8" fmla="*/ 0 w 3419856"/>
-              <a:gd name="connsiteY8" fmla="*/ 74450 h 3901233"/>
-              <a:gd name="connsiteX0" fmla="*/ 0 w 3419856"/>
-              <a:gd name="connsiteY0" fmla="*/ 74450 h 3354550"/>
-              <a:gd name="connsiteX1" fmla="*/ 21806 w 3419856"/>
-              <a:gd name="connsiteY1" fmla="*/ 21806 h 3354550"/>
-              <a:gd name="connsiteX2" fmla="*/ 74450 w 3419856"/>
-              <a:gd name="connsiteY2" fmla="*/ 0 h 3354550"/>
-              <a:gd name="connsiteX3" fmla="*/ 3345406 w 3419856"/>
-              <a:gd name="connsiteY3" fmla="*/ 0 h 3354550"/>
-              <a:gd name="connsiteX4" fmla="*/ 3398050 w 3419856"/>
-              <a:gd name="connsiteY4" fmla="*/ 21806 h 3354550"/>
-              <a:gd name="connsiteX5" fmla="*/ 3419856 w 3419856"/>
-              <a:gd name="connsiteY5" fmla="*/ 74450 h 3354550"/>
-              <a:gd name="connsiteX6" fmla="*/ 3419856 w 3419856"/>
-              <a:gd name="connsiteY6" fmla="*/ 3354550 h 3354550"/>
-              <a:gd name="connsiteX7" fmla="*/ 0 w 3419856"/>
-              <a:gd name="connsiteY7" fmla="*/ 3354550 h 3354550"/>
-              <a:gd name="connsiteX8" fmla="*/ 0 w 3419856"/>
-              <a:gd name="connsiteY8" fmla="*/ 74450 h 3354550"/>
-            </a:gdLst>
-            <a:ahLst/>
-            <a:cxnLst>
-              <a:cxn ang="0">
-                <a:pos x="connsiteX0" y="connsiteY0"/>
-              </a:cxn>
-              <a:cxn ang="0">
-                <a:pos x="connsiteX1" y="connsiteY1"/>
-              </a:cxn>
-              <a:cxn ang="0">
-                <a:pos x="connsiteX2" y="connsiteY2"/>
-              </a:cxn>
-              <a:cxn ang="0">
-                <a:pos x="connsiteX3" y="connsiteY3"/>
-              </a:cxn>
-              <a:cxn ang="0">
-                <a:pos x="connsiteX4" y="connsiteY4"/>
-              </a:cxn>
-              <a:cxn ang="0">
-                <a:pos x="connsiteX5" y="connsiteY5"/>
-              </a:cxn>
-              <a:cxn ang="0">
-                <a:pos x="connsiteX6" y="connsiteY6"/>
-              </a:cxn>
-              <a:cxn ang="0">
-                <a:pos x="connsiteX7" y="connsiteY7"/>
-              </a:cxn>
-              <a:cxn ang="0">
-                <a:pos x="connsiteX8" y="connsiteY8"/>
-              </a:cxn>
-            </a:cxnLst>
-            <a:rect l="l" t="t" r="r" b="b"/>
-            <a:pathLst>
-              <a:path w="3419856" h="3354550">
-                <a:moveTo>
-                  <a:pt x="0" y="74450"/>
-                </a:moveTo>
-                <a:cubicBezTo>
-                  <a:pt x="0" y="54705"/>
-                  <a:pt x="7844" y="35768"/>
-                  <a:pt x="21806" y="21806"/>
-                </a:cubicBezTo>
-                <a:cubicBezTo>
-                  <a:pt x="35768" y="7844"/>
-                  <a:pt x="54705" y="0"/>
-                  <a:pt x="74450" y="0"/>
-                </a:cubicBezTo>
-                <a:lnTo>
-                  <a:pt x="3345406" y="0"/>
-                </a:lnTo>
-                <a:cubicBezTo>
-                  <a:pt x="3365151" y="0"/>
-                  <a:pt x="3384088" y="7844"/>
-                  <a:pt x="3398050" y="21806"/>
-                </a:cubicBezTo>
-                <a:cubicBezTo>
-                  <a:pt x="3412012" y="35768"/>
-                  <a:pt x="3419856" y="54705"/>
-                  <a:pt x="3419856" y="74450"/>
-                </a:cubicBezTo>
-                <a:lnTo>
-                  <a:pt x="3419856" y="3354550"/>
-                </a:lnTo>
-                <a:lnTo>
-                  <a:pt x="0" y="3354550"/>
-                </a:lnTo>
-                <a:lnTo>
-                  <a:pt x="0" y="74450"/>
-                </a:lnTo>
-                <a:close/>
-              </a:path>
-            </a:pathLst>
-          </a:custGeom>
         </p:spPr>
         <p:txBody>
-          <a:bodyPr>
-            <a:normAutofit/>
-          </a:bodyPr>
+          <a:bodyPr/>
           <a:lstStyle>
-            <a:lvl1pPr marL="0" indent="0" algn="ctr">
-              <a:buNone/>
-              <a:defRPr sz="2000" baseline="0">
-                <a:solidFill>
-                  <a:schemeClr val="tx1">
-                    <a:lumMod val="65000"/>
-                  </a:schemeClr>
-                </a:solidFill>
-              </a:defRPr>
+            <a:lvl1pPr marL="0" indent="0">
+              <a:buNone/>
+              <a:defRPr sz="3200"/>
             </a:lvl1pPr>
             <a:lvl2pPr marL="457200" indent="0">
               <a:buNone/>
@@ -2686,17 +2398,13 @@
             </a:lvl9pPr>
           </a:lstStyle>
           <a:p>
-            <a:r>
-              <a:rPr lang="ru-RU" smtClean="0"/>
-              <a:t>Вставка рисунка</a:t>
-            </a:r>
-            <a:endParaRPr lang="en-US" dirty="0"/>
-          </a:p>
-        </p:txBody>
-      </p:sp>
-      <p:sp>
-        <p:nvSpPr>
-          <p:cNvPr id="4" name="Text Placeholder 3"/>
+            <a:endParaRPr lang="ru-RU"/>
+          </a:p>
+        </p:txBody>
+      </p:sp>
+      <p:sp>
+        <p:nvSpPr>
+          <p:cNvPr id="4" name="Текст 3"/>
           <p:cNvSpPr>
             <a:spLocks noGrp="1"/>
           </p:cNvSpPr>
@@ -2706,14 +2414,12 @@
         </p:nvSpPr>
         <p:spPr>
           <a:xfrm>
-            <a:off x="609600" y="2547890"/>
-            <a:ext cx="2971800" cy="2405109"/>
+            <a:off x="1792288" y="5367338"/>
+            <a:ext cx="5486400" cy="804862"/>
           </a:xfrm>
         </p:spPr>
         <p:txBody>
-          <a:bodyPr tIns="9144">
-            <a:normAutofit/>
-          </a:bodyPr>
+          <a:bodyPr/>
           <a:lstStyle>
             <a:lvl1pPr marL="0" indent="0">
               <a:buNone/>
@@ -2763,7 +2469,7 @@
       </p:sp>
       <p:sp>
         <p:nvSpPr>
-          <p:cNvPr id="5" name="Date Placeholder 4"/>
+          <p:cNvPr id="5" name="Дата 4"/>
           <p:cNvSpPr>
             <a:spLocks noGrp="1"/>
           </p:cNvSpPr>
@@ -2778,6 +2484,7 @@
           <a:p>
             <a:fld id="{B4C71EC6-210F-42DE-9C53-41977AD35B3D}" type="datetimeFigureOut">
               <a:rPr lang="ru-RU" smtClean="0"/>
+              <a:pPr/>
               <a:t>20.02.2021</a:t>
             </a:fld>
             <a:endParaRPr lang="ru-RU"/>
@@ -2786,7 +2493,7 @@
       </p:sp>
       <p:sp>
         <p:nvSpPr>
-          <p:cNvPr id="6" name="Footer Placeholder 5"/>
+          <p:cNvPr id="6" name="Нижний колонтитул 5"/>
           <p:cNvSpPr>
             <a:spLocks noGrp="1"/>
           </p:cNvSpPr>
@@ -2805,7 +2512,7 @@
       </p:sp>
       <p:sp>
         <p:nvSpPr>
-          <p:cNvPr id="7" name="Slide Number Placeholder 6"/>
+          <p:cNvPr id="7" name="Номер слайда 6"/>
           <p:cNvSpPr>
             <a:spLocks noGrp="1"/>
           </p:cNvSpPr>
@@ -2820,6 +2527,7 @@
           <a:p>
             <a:fld id="{B19B0651-EE4F-4900-A07F-96A6BFA9D0F0}" type="slidenum">
               <a:rPr lang="ru-RU" smtClean="0"/>
+              <a:pPr/>
               <a:t>‹#›</a:t>
             </a:fld>
             <a:endParaRPr lang="ru-RU"/>
@@ -2838,7 +2546,7 @@
 <p:sldMaster xmlns:a="http://schemas.openxmlformats.org/drawingml/2006/main" xmlns:r="http://schemas.openxmlformats.org/officeDocument/2006/relationships" xmlns:p="http://schemas.openxmlformats.org/presentationml/2006/main">
   <p:cSld>
     <p:bg>
-      <p:bgRef idx="1002">
+      <p:bgRef idx="1001">
         <a:schemeClr val="bg1"/>
       </p:bgRef>
     </p:bg>
@@ -2856,151 +2564,129 @@
           <a:chExt cx="0" cy="0"/>
         </a:xfrm>
       </p:grpSpPr>
-      <p:pic>
-        <p:nvPicPr>
-          <p:cNvPr id="7" name="Picture 6" descr="horizon.png"/>
-          <p:cNvPicPr>
-            <a:picLocks noChangeAspect="1"/>
-          </p:cNvPicPr>
-          <p:nvPr/>
-        </p:nvPicPr>
-        <p:blipFill>
-          <a:blip r:embed="rId13" cstate="print"/>
-          <a:stretch>
-            <a:fillRect/>
-          </a:stretch>
-        </p:blipFill>
+      <p:sp>
+        <p:nvSpPr>
+          <p:cNvPr id="2" name="Заголовок 1"/>
+          <p:cNvSpPr>
+            <a:spLocks noGrp="1"/>
+          </p:cNvSpPr>
+          <p:nvPr>
+            <p:ph type="title"/>
+          </p:nvPr>
+        </p:nvSpPr>
         <p:spPr>
           <a:xfrm>
-            <a:off x="0" y="0"/>
-            <a:ext cx="9144000" cy="6858000"/>
+            <a:off x="457200" y="274638"/>
+            <a:ext cx="8229600" cy="1143000"/>
           </a:xfrm>
           <a:prstGeom prst="rect">
             <a:avLst/>
           </a:prstGeom>
         </p:spPr>
-      </p:pic>
-      <p:sp>
-        <p:nvSpPr>
-          <p:cNvPr id="2" name="Title Placeholder 1"/>
-          <p:cNvSpPr>
-            <a:spLocks noGrp="1"/>
-          </p:cNvSpPr>
-          <p:nvPr>
-            <p:ph type="title"/>
+        <p:txBody>
+          <a:bodyPr vert="horz" lIns="91440" tIns="45720" rIns="91440" bIns="45720" rtlCol="0" anchor="ctr">
+            <a:normAutofit/>
+          </a:bodyPr>
+          <a:lstStyle/>
+          <a:p>
+            <a:r>
+              <a:rPr lang="ru-RU" smtClean="0"/>
+              <a:t>Образец заголовка</a:t>
+            </a:r>
+            <a:endParaRPr lang="ru-RU"/>
+          </a:p>
+        </p:txBody>
+      </p:sp>
+      <p:sp>
+        <p:nvSpPr>
+          <p:cNvPr id="3" name="Текст 2"/>
+          <p:cNvSpPr>
+            <a:spLocks noGrp="1"/>
+          </p:cNvSpPr>
+          <p:nvPr>
+            <p:ph type="body" idx="1"/>
           </p:nvPr>
         </p:nvSpPr>
         <p:spPr>
           <a:xfrm>
-            <a:off x="609600" y="274638"/>
-            <a:ext cx="7924800" cy="1143000"/>
+            <a:off x="457200" y="1600200"/>
+            <a:ext cx="8229600" cy="4525963"/>
           </a:xfrm>
           <a:prstGeom prst="rect">
             <a:avLst/>
           </a:prstGeom>
         </p:spPr>
         <p:txBody>
-          <a:bodyPr vert="horz" lIns="91440" tIns="45720" rIns="91440" bIns="45720" rtlCol="0" anchor="b" anchorCtr="0">
-            <a:noAutofit/>
+          <a:bodyPr vert="horz" lIns="91440" tIns="45720" rIns="91440" bIns="45720" rtlCol="0">
+            <a:normAutofit/>
           </a:bodyPr>
           <a:lstStyle/>
           <a:p>
-            <a:r>
-              <a:rPr lang="ru-RU" smtClean="0"/>
-              <a:t>Образец заголовка</a:t>
-            </a:r>
-            <a:endParaRPr lang="en-US" dirty="0"/>
-          </a:p>
-        </p:txBody>
-      </p:sp>
-      <p:sp>
-        <p:nvSpPr>
-          <p:cNvPr id="3" name="Text Placeholder 2"/>
-          <p:cNvSpPr>
-            <a:spLocks noGrp="1"/>
-          </p:cNvSpPr>
-          <p:nvPr>
-            <p:ph type="body" idx="1"/>
+            <a:pPr lvl="0"/>
+            <a:r>
+              <a:rPr lang="ru-RU" smtClean="0"/>
+              <a:t>Образец текста</a:t>
+            </a:r>
+          </a:p>
+          <a:p>
+            <a:pPr lvl="1"/>
+            <a:r>
+              <a:rPr lang="ru-RU" smtClean="0"/>
+              <a:t>Второй уровень</a:t>
+            </a:r>
+          </a:p>
+          <a:p>
+            <a:pPr lvl="2"/>
+            <a:r>
+              <a:rPr lang="ru-RU" smtClean="0"/>
+              <a:t>Третий уровень</a:t>
+            </a:r>
+          </a:p>
+          <a:p>
+            <a:pPr lvl="3"/>
+            <a:r>
+              <a:rPr lang="ru-RU" smtClean="0"/>
+              <a:t>Четвертый уровень</a:t>
+            </a:r>
+          </a:p>
+          <a:p>
+            <a:pPr lvl="4"/>
+            <a:r>
+              <a:rPr lang="ru-RU" smtClean="0"/>
+              <a:t>Пятый уровень</a:t>
+            </a:r>
+            <a:endParaRPr lang="ru-RU"/>
+          </a:p>
+        </p:txBody>
+      </p:sp>
+      <p:sp>
+        <p:nvSpPr>
+          <p:cNvPr id="4" name="Дата 3"/>
+          <p:cNvSpPr>
+            <a:spLocks noGrp="1"/>
+          </p:cNvSpPr>
+          <p:nvPr>
+            <p:ph type="dt" sz="half" idx="2"/>
           </p:nvPr>
         </p:nvSpPr>
         <p:spPr>
           <a:xfrm>
-            <a:off x="609600" y="1600200"/>
-            <a:ext cx="7924800" cy="4525963"/>
+            <a:off x="457200" y="6356350"/>
+            <a:ext cx="2133600" cy="365125"/>
           </a:xfrm>
           <a:prstGeom prst="rect">
             <a:avLst/>
           </a:prstGeom>
         </p:spPr>
         <p:txBody>
-          <a:bodyPr vert="horz" lIns="91440" tIns="45720" rIns="91440" bIns="45720" rtlCol="0">
-            <a:normAutofit/>
-          </a:bodyPr>
-          <a:lstStyle/>
-          <a:p>
-            <a:pPr lvl="0"/>
-            <a:r>
-              <a:rPr lang="ru-RU" smtClean="0"/>
-              <a:t>Образец текста</a:t>
-            </a:r>
-          </a:p>
-          <a:p>
-            <a:pPr lvl="1"/>
-            <a:r>
-              <a:rPr lang="ru-RU" smtClean="0"/>
-              <a:t>Второй уровень</a:t>
-            </a:r>
-          </a:p>
-          <a:p>
-            <a:pPr lvl="2"/>
-            <a:r>
-              <a:rPr lang="ru-RU" smtClean="0"/>
-              <a:t>Третий уровень</a:t>
-            </a:r>
-          </a:p>
-          <a:p>
-            <a:pPr lvl="3"/>
-            <a:r>
-              <a:rPr lang="ru-RU" smtClean="0"/>
-              <a:t>Четвертый уровень</a:t>
-            </a:r>
-          </a:p>
-          <a:p>
-            <a:pPr lvl="4"/>
-            <a:r>
-              <a:rPr lang="ru-RU" smtClean="0"/>
-              <a:t>Пятый уровень</a:t>
-            </a:r>
-            <a:endParaRPr lang="en-US" dirty="0" smtClean="0"/>
-          </a:p>
-        </p:txBody>
-      </p:sp>
-      <p:sp>
-        <p:nvSpPr>
-          <p:cNvPr id="4" name="Date Placeholder 3"/>
-          <p:cNvSpPr>
-            <a:spLocks noGrp="1"/>
-          </p:cNvSpPr>
-          <p:nvPr>
-            <p:ph type="dt" sz="half" idx="2"/>
-          </p:nvPr>
-        </p:nvSpPr>
-        <p:spPr>
-          <a:xfrm>
-            <a:off x="5715000" y="6356350"/>
-            <a:ext cx="1524000" cy="365125"/>
-          </a:xfrm>
-          <a:prstGeom prst="rect">
-            <a:avLst/>
-          </a:prstGeom>
-        </p:spPr>
-        <p:txBody>
           <a:bodyPr vert="horz" lIns="91440" tIns="45720" rIns="91440" bIns="45720" rtlCol="0" anchor="ctr"/>
           <a:lstStyle>
-            <a:lvl1pPr algn="r">
-              <a:defRPr sz="1000" strike="noStrike" spc="60" baseline="0">
+            <a:lvl1pPr algn="l">
+              <a:defRPr sz="1200">
                 <a:solidFill>
-                  <a:schemeClr val="tx1"/>
+                  <a:schemeClr val="tx1">
+                    <a:tint val="75000"/>
+                  </a:schemeClr>
                 </a:solidFill>
               </a:defRPr>
             </a:lvl1pPr>
@@ -3008,6 +2694,7 @@
           <a:p>
             <a:fld id="{B4C71EC6-210F-42DE-9C53-41977AD35B3D}" type="datetimeFigureOut">
               <a:rPr lang="ru-RU" smtClean="0"/>
+              <a:pPr/>
               <a:t>20.02.2021</a:t>
             </a:fld>
             <a:endParaRPr lang="ru-RU"/>
@@ -3016,7 +2703,7 @@
       </p:sp>
       <p:sp>
         <p:nvSpPr>
-          <p:cNvPr id="5" name="Footer Placeholder 4"/>
+          <p:cNvPr id="5" name="Нижний колонтитул 4"/>
           <p:cNvSpPr>
             <a:spLocks noGrp="1"/>
           </p:cNvSpPr>
@@ -3026,7 +2713,7 @@
         </p:nvSpPr>
         <p:spPr>
           <a:xfrm>
-            <a:off x="609600" y="6356350"/>
+            <a:off x="3124200" y="6356350"/>
             <a:ext cx="2895600" cy="365125"/>
           </a:xfrm>
           <a:prstGeom prst="rect">
@@ -3036,10 +2723,12 @@
         <p:txBody>
           <a:bodyPr vert="horz" lIns="91440" tIns="45720" rIns="91440" bIns="45720" rtlCol="0" anchor="ctr"/>
           <a:lstStyle>
-            <a:lvl1pPr algn="l">
-              <a:defRPr sz="1000" cap="all" spc="60" baseline="0">
+            <a:lvl1pPr algn="ctr">
+              <a:defRPr sz="1200">
                 <a:solidFill>
-                  <a:schemeClr val="tx1"/>
+                  <a:schemeClr val="tx1">
+                    <a:tint val="75000"/>
+                  </a:schemeClr>
                 </a:solidFill>
               </a:defRPr>
             </a:lvl1pPr>
@@ -3051,7 +2740,7 @@
       </p:sp>
       <p:sp>
         <p:nvSpPr>
-          <p:cNvPr id="6" name="Slide Number Placeholder 5"/>
+          <p:cNvPr id="6" name="Номер слайда 5"/>
           <p:cNvSpPr>
             <a:spLocks noGrp="1"/>
           </p:cNvSpPr>
@@ -3061,8 +2750,8 @@
         </p:nvSpPr>
         <p:spPr>
           <a:xfrm>
-            <a:off x="7543800" y="6356350"/>
-            <a:ext cx="990600" cy="365125"/>
+            <a:off x="6553200" y="6356350"/>
+            <a:ext cx="2133600" cy="365125"/>
           </a:xfrm>
           <a:prstGeom prst="rect">
             <a:avLst/>
@@ -3072,9 +2761,11 @@
           <a:bodyPr vert="horz" lIns="91440" tIns="45720" rIns="91440" bIns="45720" rtlCol="0" anchor="ctr"/>
           <a:lstStyle>
             <a:lvl1pPr algn="r">
-              <a:defRPr sz="1100" baseline="0">
+              <a:defRPr sz="1200">
                 <a:solidFill>
-                  <a:schemeClr val="tx1"/>
+                  <a:schemeClr val="tx1">
+                    <a:tint val="75000"/>
+                  </a:schemeClr>
                 </a:solidFill>
               </a:defRPr>
             </a:lvl1pPr>
@@ -3082,6 +2773,7 @@
           <a:p>
             <a:fld id="{B19B0651-EE4F-4900-A07F-96A6BFA9D0F0}" type="slidenum">
               <a:rPr lang="ru-RU" smtClean="0"/>
+              <a:pPr/>
               <a:t>‹#›</a:t>
             </a:fld>
             <a:endParaRPr lang="ru-RU"/>
@@ -3090,28 +2782,28 @@
       </p:sp>
     </p:spTree>
   </p:cSld>
-  <p:clrMap bg1="dk1" tx1="lt1" bg2="dk2" tx2="lt2" accent1="accent1" accent2="accent2" accent3="accent3" accent4="accent4" accent5="accent5" accent6="accent6" hlink="hlink" folHlink="folHlink"/>
+  <p:clrMap bg1="lt1" tx1="dk1" bg2="lt2" tx2="dk2" accent1="accent1" accent2="accent2" accent3="accent3" accent4="accent4" accent5="accent5" accent6="accent6" hlink="hlink" folHlink="folHlink"/>
   <p:sldLayoutIdLst>
-    <p:sldLayoutId id="2147483661" r:id="rId1"/>
-    <p:sldLayoutId id="2147483662" r:id="rId2"/>
-    <p:sldLayoutId id="2147483663" r:id="rId3"/>
-    <p:sldLayoutId id="2147483664" r:id="rId4"/>
-    <p:sldLayoutId id="2147483665" r:id="rId5"/>
-    <p:sldLayoutId id="2147483666" r:id="rId6"/>
-    <p:sldLayoutId id="2147483667" r:id="rId7"/>
-    <p:sldLayoutId id="2147483668" r:id="rId8"/>
-    <p:sldLayoutId id="2147483669" r:id="rId9"/>
-    <p:sldLayoutId id="2147483670" r:id="rId10"/>
-    <p:sldLayoutId id="2147483671" r:id="rId11"/>
+    <p:sldLayoutId id="2147483673" r:id="rId1"/>
+    <p:sldLayoutId id="2147483674" r:id="rId2"/>
+    <p:sldLayoutId id="2147483675" r:id="rId3"/>
+    <p:sldLayoutId id="2147483676" r:id="rId4"/>
+    <p:sldLayoutId id="2147483677" r:id="rId5"/>
+    <p:sldLayoutId id="2147483678" r:id="rId6"/>
+    <p:sldLayoutId id="2147483679" r:id="rId7"/>
+    <p:sldLayoutId id="2147483680" r:id="rId8"/>
+    <p:sldLayoutId id="2147483681" r:id="rId9"/>
+    <p:sldLayoutId id="2147483682" r:id="rId10"/>
+    <p:sldLayoutId id="2147483683" r:id="rId11"/>
   </p:sldLayoutIdLst>
   <p:txStyles>
     <p:titleStyle>
-      <a:lvl1pPr algn="l" defTabSz="914400" rtl="0" eaLnBrk="1" latinLnBrk="0" hangingPunct="1">
+      <a:lvl1pPr algn="ctr" defTabSz="914400" rtl="0" eaLnBrk="1" latinLnBrk="0" hangingPunct="1">
         <a:spcBef>
           <a:spcPct val="0"/>
         </a:spcBef>
         <a:buNone/>
-        <a:defRPr sz="3000" kern="1200" cap="all" spc="50" baseline="0">
+        <a:defRPr sz="4400" kern="1200">
           <a:solidFill>
             <a:schemeClr val="tx1"/>
           </a:solidFill>
@@ -3120,80 +2812,15 @@
           <a:cs typeface="+mj-cs"/>
         </a:defRPr>
       </a:lvl1pPr>
-      <a:lvl2pPr eaLnBrk="1" hangingPunct="1">
-        <a:defRPr>
-          <a:solidFill>
-            <a:schemeClr val="tx2"/>
-          </a:solidFill>
-        </a:defRPr>
-      </a:lvl2pPr>
-      <a:lvl3pPr eaLnBrk="1" hangingPunct="1">
-        <a:defRPr>
-          <a:solidFill>
-            <a:schemeClr val="tx2"/>
-          </a:solidFill>
-        </a:defRPr>
-      </a:lvl3pPr>
-      <a:lvl4pPr eaLnBrk="1" hangingPunct="1">
-        <a:defRPr>
-          <a:solidFill>
-            <a:schemeClr val="tx2"/>
-          </a:solidFill>
-        </a:defRPr>
-      </a:lvl4pPr>
-      <a:lvl5pPr eaLnBrk="1" hangingPunct="1">
-        <a:defRPr>
-          <a:solidFill>
-            <a:schemeClr val="tx2"/>
-          </a:solidFill>
-        </a:defRPr>
-      </a:lvl5pPr>
-      <a:lvl6pPr eaLnBrk="1" hangingPunct="1">
-        <a:defRPr>
-          <a:solidFill>
-            <a:schemeClr val="tx2"/>
-          </a:solidFill>
-        </a:defRPr>
-      </a:lvl6pPr>
-      <a:lvl7pPr eaLnBrk="1" hangingPunct="1">
-        <a:defRPr>
-          <a:solidFill>
-            <a:schemeClr val="tx2"/>
-          </a:solidFill>
-        </a:defRPr>
-      </a:lvl7pPr>
-      <a:lvl8pPr eaLnBrk="1" hangingPunct="1">
-        <a:defRPr>
-          <a:solidFill>
-            <a:schemeClr val="tx2"/>
-          </a:solidFill>
-        </a:defRPr>
-      </a:lvl8pPr>
-      <a:lvl9pPr eaLnBrk="1" hangingPunct="1">
-        <a:defRPr>
-          <a:solidFill>
-            <a:schemeClr val="tx2"/>
-          </a:solidFill>
-        </a:defRPr>
-      </a:lvl9pPr>
     </p:titleStyle>
     <p:bodyStyle>
       <a:lvl1pPr marL="342900" indent="-342900" algn="l" defTabSz="914400" rtl="0" eaLnBrk="1" latinLnBrk="0" hangingPunct="1">
-        <a:lnSpc>
-          <a:spcPct val="100000"/>
-        </a:lnSpc>
         <a:spcBef>
           <a:spcPct val="20000"/>
         </a:spcBef>
-        <a:spcAft>
-          <a:spcPts val="600"/>
-        </a:spcAft>
-        <a:buClr>
-          <a:schemeClr val="tx2"/>
-        </a:buClr>
         <a:buFont typeface="Arial" pitchFamily="34" charset="0"/>
         <a:buChar char="•"/>
-        <a:defRPr sz="1700" kern="1200" spc="30" baseline="0">
+        <a:defRPr sz="3200" kern="1200">
           <a:solidFill>
             <a:schemeClr val="tx1"/>
           </a:solidFill>
@@ -3203,21 +2830,12 @@
         </a:defRPr>
       </a:lvl1pPr>
       <a:lvl2pPr marL="742950" indent="-285750" algn="l" defTabSz="914400" rtl="0" eaLnBrk="1" latinLnBrk="0" hangingPunct="1">
-        <a:lnSpc>
-          <a:spcPct val="100000"/>
-        </a:lnSpc>
         <a:spcBef>
           <a:spcPct val="20000"/>
         </a:spcBef>
-        <a:spcAft>
-          <a:spcPts val="600"/>
-        </a:spcAft>
-        <a:buClr>
-          <a:schemeClr val="tx2"/>
-        </a:buClr>
         <a:buFont typeface="Arial" pitchFamily="34" charset="0"/>
-        <a:buChar char="•"/>
-        <a:defRPr sz="1700" kern="1200" spc="30" baseline="0">
+        <a:buChar char="–"/>
+        <a:defRPr sz="2800" kern="1200">
           <a:solidFill>
             <a:schemeClr val="tx1"/>
           </a:solidFill>
@@ -3227,21 +2845,12 @@
         </a:defRPr>
       </a:lvl2pPr>
       <a:lvl3pPr marL="1143000" indent="-228600" algn="l" defTabSz="914400" rtl="0" eaLnBrk="1" latinLnBrk="0" hangingPunct="1">
-        <a:lnSpc>
-          <a:spcPct val="100000"/>
-        </a:lnSpc>
         <a:spcBef>
           <a:spcPct val="20000"/>
         </a:spcBef>
-        <a:spcAft>
-          <a:spcPts val="600"/>
-        </a:spcAft>
-        <a:buClr>
-          <a:schemeClr val="tx2"/>
-        </a:buClr>
         <a:buFont typeface="Arial" pitchFamily="34" charset="0"/>
         <a:buChar char="•"/>
-        <a:defRPr sz="1700" kern="1200" spc="30" baseline="0">
+        <a:defRPr sz="2400" kern="1200">
           <a:solidFill>
             <a:schemeClr val="tx1"/>
           </a:solidFill>
@@ -3251,21 +2860,12 @@
         </a:defRPr>
       </a:lvl3pPr>
       <a:lvl4pPr marL="1600200" indent="-228600" algn="l" defTabSz="914400" rtl="0" eaLnBrk="1" latinLnBrk="0" hangingPunct="1">
-        <a:lnSpc>
-          <a:spcPct val="100000"/>
-        </a:lnSpc>
         <a:spcBef>
           <a:spcPct val="20000"/>
         </a:spcBef>
-        <a:spcAft>
-          <a:spcPts val="600"/>
-        </a:spcAft>
-        <a:buClr>
-          <a:schemeClr val="tx2"/>
-        </a:buClr>
         <a:buFont typeface="Arial" pitchFamily="34" charset="0"/>
-        <a:buChar char="•"/>
-        <a:defRPr sz="1700" kern="1200" spc="30" baseline="0">
+        <a:buChar char="–"/>
+        <a:defRPr sz="2000" kern="1200">
           <a:solidFill>
             <a:schemeClr val="tx1"/>
           </a:solidFill>
@@ -3275,21 +2875,12 @@
         </a:defRPr>
       </a:lvl4pPr>
       <a:lvl5pPr marL="2057400" indent="-228600" algn="l" defTabSz="914400" rtl="0" eaLnBrk="1" latinLnBrk="0" hangingPunct="1">
-        <a:lnSpc>
-          <a:spcPct val="100000"/>
-        </a:lnSpc>
         <a:spcBef>
           <a:spcPct val="20000"/>
         </a:spcBef>
-        <a:spcAft>
-          <a:spcPts val="600"/>
-        </a:spcAft>
-        <a:buClr>
-          <a:schemeClr val="tx2"/>
-        </a:buClr>
         <a:buFont typeface="Arial" pitchFamily="34" charset="0"/>
-        <a:buChar char="•"/>
-        <a:defRPr sz="1700" kern="1200" spc="30" baseline="0">
+        <a:buChar char="»"/>
+        <a:defRPr sz="2000" kern="1200">
           <a:solidFill>
             <a:schemeClr val="tx1"/>
           </a:solidFill>
@@ -3299,21 +2890,12 @@
         </a:defRPr>
       </a:lvl5pPr>
       <a:lvl6pPr marL="2514600" indent="-228600" algn="l" defTabSz="914400" rtl="0" eaLnBrk="1" latinLnBrk="0" hangingPunct="1">
-        <a:lnSpc>
-          <a:spcPct val="100000"/>
-        </a:lnSpc>
         <a:spcBef>
           <a:spcPct val="20000"/>
         </a:spcBef>
-        <a:spcAft>
-          <a:spcPts val="600"/>
-        </a:spcAft>
-        <a:buClr>
-          <a:schemeClr val="tx2"/>
-        </a:buClr>
         <a:buFont typeface="Arial" pitchFamily="34" charset="0"/>
         <a:buChar char="•"/>
-        <a:defRPr sz="1700" kern="1200">
+        <a:defRPr sz="2000" kern="1200">
           <a:solidFill>
             <a:schemeClr val="tx1"/>
           </a:solidFill>
@@ -3323,21 +2905,12 @@
         </a:defRPr>
       </a:lvl6pPr>
       <a:lvl7pPr marL="2971800" indent="-228600" algn="l" defTabSz="914400" rtl="0" eaLnBrk="1" latinLnBrk="0" hangingPunct="1">
-        <a:lnSpc>
-          <a:spcPct val="100000"/>
-        </a:lnSpc>
         <a:spcBef>
           <a:spcPct val="20000"/>
         </a:spcBef>
-        <a:spcAft>
-          <a:spcPts val="600"/>
-        </a:spcAft>
-        <a:buClr>
-          <a:schemeClr val="tx2"/>
-        </a:buClr>
         <a:buFont typeface="Arial" pitchFamily="34" charset="0"/>
         <a:buChar char="•"/>
-        <a:defRPr sz="1700" kern="1200">
+        <a:defRPr sz="2000" kern="1200">
           <a:solidFill>
             <a:schemeClr val="tx1"/>
           </a:solidFill>
@@ -3347,21 +2920,12 @@
         </a:defRPr>
       </a:lvl7pPr>
       <a:lvl8pPr marL="3429000" indent="-228600" algn="l" defTabSz="914400" rtl="0" eaLnBrk="1" latinLnBrk="0" hangingPunct="1">
-        <a:lnSpc>
-          <a:spcPct val="100000"/>
-        </a:lnSpc>
         <a:spcBef>
           <a:spcPct val="20000"/>
         </a:spcBef>
-        <a:spcAft>
-          <a:spcPts val="600"/>
-        </a:spcAft>
-        <a:buClr>
-          <a:schemeClr val="tx2"/>
-        </a:buClr>
         <a:buFont typeface="Arial" pitchFamily="34" charset="0"/>
         <a:buChar char="•"/>
-        <a:defRPr sz="1700" kern="1200">
+        <a:defRPr sz="2000" kern="1200">
           <a:solidFill>
             <a:schemeClr val="tx1"/>
           </a:solidFill>
@@ -3371,21 +2935,12 @@
         </a:defRPr>
       </a:lvl8pPr>
       <a:lvl9pPr marL="3886200" indent="-228600" algn="l" defTabSz="914400" rtl="0" eaLnBrk="1" latinLnBrk="0" hangingPunct="1">
-        <a:lnSpc>
-          <a:spcPct val="100000"/>
-        </a:lnSpc>
         <a:spcBef>
           <a:spcPct val="20000"/>
         </a:spcBef>
-        <a:spcAft>
-          <a:spcPts val="600"/>
-        </a:spcAft>
-        <a:buClr>
-          <a:schemeClr val="tx2"/>
-        </a:buClr>
         <a:buFont typeface="Arial" pitchFamily="34" charset="0"/>
         <a:buChar char="•"/>
-        <a:defRPr sz="1700" kern="1200">
+        <a:defRPr sz="2000" kern="1200">
           <a:solidFill>
             <a:schemeClr val="tx1"/>
           </a:solidFill>
@@ -3397,7 +2952,7 @@
     </p:bodyStyle>
     <p:otherStyle>
       <a:defPPr>
-        <a:defRPr lang="en-US"/>
+        <a:defRPr lang="ru-RU"/>
       </a:defPPr>
       <a:lvl1pPr marL="0" algn="l" defTabSz="914400" rtl="0" eaLnBrk="1" latinLnBrk="0" hangingPunct="1">
         <a:defRPr sz="1800" kern="1200">
@@ -3513,6 +3068,37 @@
       </p:grpSpPr>
       <p:sp>
         <p:nvSpPr>
+          <p:cNvPr id="2" name="Заголовок 1"/>
+          <p:cNvSpPr>
+            <a:spLocks noGrp="1"/>
+          </p:cNvSpPr>
+          <p:nvPr>
+            <p:ph type="ctrTitle"/>
+          </p:nvPr>
+        </p:nvSpPr>
+        <p:spPr/>
+        <p:txBody>
+          <a:bodyPr/>
+          <a:lstStyle/>
+          <a:p>
+            <a:r>
+              <a:rPr lang="ru-RU" dirty="0" smtClean="0"/>
+              <a:t>Игра «</a:t>
+            </a:r>
+            <a:r>
+              <a:rPr lang="en-US" dirty="0" smtClean="0"/>
+              <a:t>Knights</a:t>
+            </a:r>
+            <a:r>
+              <a:rPr lang="ru-RU" dirty="0" smtClean="0"/>
+              <a:t>»</a:t>
+            </a:r>
+            <a:endParaRPr lang="ru-RU" dirty="0"/>
+          </a:p>
+        </p:txBody>
+      </p:sp>
+      <p:sp>
+        <p:nvSpPr>
           <p:cNvPr id="3" name="Подзаголовок 2"/>
           <p:cNvSpPr>
             <a:spLocks noGrp="1"/>
@@ -3530,226 +3116,28 @@
           <a:p>
             <a:r>
               <a:rPr lang="ru-RU" dirty="0"/>
-              <a:t>Выполнили: </a:t>
-            </a:r>
-            <a:r>
-              <a:rPr lang="ru-RU" dirty="0"/>
-              <a:t>Арсентьев Александр, Разухин Александр</a:t>
-            </a:r>
-          </a:p>
-        </p:txBody>
-      </p:sp>
-      <p:sp>
-        <p:nvSpPr>
-          <p:cNvPr id="2" name="Заголовок 1"/>
-          <p:cNvSpPr>
-            <a:spLocks noGrp="1"/>
-          </p:cNvSpPr>
-          <p:nvPr>
-            <p:ph type="ctrTitle"/>
-          </p:nvPr>
-        </p:nvSpPr>
-        <p:spPr/>
-        <p:txBody>
-          <a:bodyPr/>
-          <a:lstStyle/>
-          <a:p>
-            <a:r>
-              <a:rPr lang="ru-RU" dirty="0" smtClean="0"/>
-              <a:t>Игра «</a:t>
-            </a:r>
-            <a:r>
-              <a:rPr lang="en-US" dirty="0" smtClean="0"/>
-              <a:t>Knights</a:t>
-            </a:r>
-            <a:r>
-              <a:rPr lang="ru-RU" dirty="0" smtClean="0"/>
-              <a:t>»</a:t>
-            </a:r>
-            <a:endParaRPr lang="ru-RU" dirty="0"/>
+              <a:t>Выполнили: Арсентьев Александр, Разухин Александр</a:t>
+            </a:r>
           </a:p>
         </p:txBody>
       </p:sp>
     </p:spTree>
     <p:extLst>
       <p:ext uri="{BB962C8B-B14F-4D97-AF65-F5344CB8AC3E}">
-        <p14:creationId xmlns:p14="http://schemas.microsoft.com/office/powerpoint/2010/main" val="2917366338"/>
+        <p14:creationId xmlns:p14="http://schemas.microsoft.com/office/powerpoint/2010/main" xmlns="" val="2917366338"/>
       </p:ext>
     </p:extLst>
   </p:cSld>
   <p:clrMapOvr>
     <a:masterClrMapping/>
   </p:clrMapOvr>
-</p:sld>
-</file>
-
-<file path=ppt/slides/slide10.xml><?xml version="1.0" encoding="utf-8"?>
-<p:sld xmlns:a="http://schemas.openxmlformats.org/drawingml/2006/main" xmlns:r="http://schemas.openxmlformats.org/officeDocument/2006/relationships" xmlns:p="http://schemas.openxmlformats.org/presentationml/2006/main">
-  <p:cSld>
-    <p:spTree>
-      <p:nvGrpSpPr>
-        <p:cNvPr id="1" name=""/>
-        <p:cNvGrpSpPr/>
-        <p:nvPr/>
-      </p:nvGrpSpPr>
-      <p:grpSpPr>
-        <a:xfrm>
-          <a:off x="0" y="0"/>
-          <a:ext cx="0" cy="0"/>
-          <a:chOff x="0" y="0"/>
-          <a:chExt cx="0" cy="0"/>
-        </a:xfrm>
-      </p:grpSpPr>
-      <p:sp>
-        <p:nvSpPr>
-          <p:cNvPr id="2" name="Заголовок 1"/>
-          <p:cNvSpPr>
-            <a:spLocks noGrp="1"/>
-          </p:cNvSpPr>
-          <p:nvPr>
-            <p:ph type="title"/>
-          </p:nvPr>
-        </p:nvSpPr>
-        <p:spPr/>
-        <p:txBody>
-          <a:bodyPr/>
-          <a:lstStyle/>
-          <a:p>
-            <a:r>
-              <a:rPr lang="ru-RU" dirty="0" smtClean="0"/>
-              <a:t>Выводы</a:t>
-            </a:r>
-            <a:endParaRPr lang="ru-RU" dirty="0"/>
-          </a:p>
-        </p:txBody>
-      </p:sp>
-      <p:sp>
-        <p:nvSpPr>
-          <p:cNvPr id="3" name="Объект 2"/>
-          <p:cNvSpPr>
-            <a:spLocks noGrp="1"/>
-          </p:cNvSpPr>
-          <p:nvPr>
-            <p:ph sz="quarter" idx="13"/>
-          </p:nvPr>
-        </p:nvSpPr>
-        <p:spPr/>
-        <p:txBody>
-          <a:bodyPr/>
-          <a:lstStyle/>
-          <a:p>
-            <a:pPr lvl="0"/>
-            <a:r>
-              <a:rPr lang="ru-RU" dirty="0"/>
-              <a:t>Создана программа, выполняющая все заявленные функции</a:t>
-            </a:r>
-          </a:p>
-          <a:p>
-            <a:pPr lvl="0"/>
-            <a:r>
-              <a:rPr lang="ru-RU" dirty="0"/>
-              <a:t>Игра проста и </a:t>
-            </a:r>
-            <a:r>
-              <a:rPr lang="ru-RU" dirty="0" smtClean="0"/>
-              <a:t>понятна, но заставляет подумать</a:t>
-            </a:r>
-            <a:endParaRPr lang="ru-RU" dirty="0"/>
-          </a:p>
-          <a:p>
-            <a:pPr lvl="0"/>
-            <a:r>
-              <a:rPr lang="ru-RU" dirty="0"/>
-              <a:t>Возможно улучшение игры: добавление магазина, увеличение количества уровней, более качественная прорисовка и т.д.</a:t>
-            </a:r>
-          </a:p>
-          <a:p>
-            <a:endParaRPr lang="ru-RU" dirty="0"/>
-          </a:p>
-        </p:txBody>
-      </p:sp>
-    </p:spTree>
-    <p:extLst>
-      <p:ext uri="{BB962C8B-B14F-4D97-AF65-F5344CB8AC3E}">
-        <p14:creationId xmlns:p14="http://schemas.microsoft.com/office/powerpoint/2010/main" val="2289336321"/>
-      </p:ext>
-    </p:extLst>
-  </p:cSld>
-  <p:clrMapOvr>
-    <a:masterClrMapping/>
-  </p:clrMapOvr>
-</p:sld>
-</file>
-
-<file path=ppt/slides/slide11.xml><?xml version="1.0" encoding="utf-8"?>
-<p:sld xmlns:a="http://schemas.openxmlformats.org/drawingml/2006/main" xmlns:r="http://schemas.openxmlformats.org/officeDocument/2006/relationships" xmlns:p="http://schemas.openxmlformats.org/presentationml/2006/main">
-  <p:cSld>
-    <p:spTree>
-      <p:nvGrpSpPr>
-        <p:cNvPr id="1" name=""/>
-        <p:cNvGrpSpPr/>
-        <p:nvPr/>
-      </p:nvGrpSpPr>
-      <p:grpSpPr>
-        <a:xfrm>
-          <a:off x="0" y="0"/>
-          <a:ext cx="0" cy="0"/>
-          <a:chOff x="0" y="0"/>
-          <a:chExt cx="0" cy="0"/>
-        </a:xfrm>
-      </p:grpSpPr>
-      <p:sp>
-        <p:nvSpPr>
-          <p:cNvPr id="5" name="Подзаголовок 4"/>
-          <p:cNvSpPr>
-            <a:spLocks noGrp="1"/>
-          </p:cNvSpPr>
-          <p:nvPr>
-            <p:ph type="subTitle" idx="1"/>
-          </p:nvPr>
-        </p:nvSpPr>
-        <p:spPr/>
-        <p:txBody>
-          <a:bodyPr/>
-          <a:lstStyle/>
-          <a:p>
-            <a:endParaRPr lang="ru-RU"/>
-          </a:p>
-        </p:txBody>
-      </p:sp>
-      <p:sp>
-        <p:nvSpPr>
-          <p:cNvPr id="4" name="Заголовок 3"/>
-          <p:cNvSpPr>
-            <a:spLocks noGrp="1"/>
-          </p:cNvSpPr>
-          <p:nvPr>
-            <p:ph type="ctrTitle"/>
-          </p:nvPr>
-        </p:nvSpPr>
-        <p:spPr/>
-        <p:txBody>
-          <a:bodyPr/>
-          <a:lstStyle/>
-          <a:p>
-            <a:r>
-              <a:rPr lang="ru-RU" dirty="0" smtClean="0"/>
-              <a:t>Спасибо за внимание!</a:t>
-            </a:r>
-            <a:endParaRPr lang="ru-RU" dirty="0"/>
-          </a:p>
-        </p:txBody>
-      </p:sp>
-    </p:spTree>
-    <p:extLst>
-      <p:ext uri="{BB962C8B-B14F-4D97-AF65-F5344CB8AC3E}">
-        <p14:creationId xmlns:p14="http://schemas.microsoft.com/office/powerpoint/2010/main" val="1554717559"/>
-      </p:ext>
-    </p:extLst>
-  </p:cSld>
-  <p:clrMapOvr>
-    <a:masterClrMapping/>
-  </p:clrMapOvr>
+  <p:timing>
+    <p:tnLst>
+      <p:par>
+        <p:cTn id="1" dur="indefinite" restart="never" nodeType="tmRoot"/>
+      </p:par>
+    </p:tnLst>
+  </p:timing>
 </p:sld>
 </file>
 
@@ -3787,7 +3175,7 @@
           <a:p>
             <a:r>
               <a:rPr lang="ru-RU" dirty="0" smtClean="0"/>
-              <a:t>Цель проекта</a:t>
+              <a:t>Начальное окно</a:t>
             </a:r>
             <a:endParaRPr lang="ru-RU" dirty="0"/>
           </a:p>
@@ -3800,301 +3188,7 @@
             <a:spLocks noGrp="1"/>
           </p:cNvSpPr>
           <p:nvPr>
-            <p:ph sz="quarter" idx="13"/>
-          </p:nvPr>
-        </p:nvSpPr>
-        <p:spPr/>
-        <p:txBody>
-          <a:bodyPr/>
-          <a:lstStyle/>
-          <a:p>
-            <a:r>
-              <a:rPr lang="ru-RU" sz="2000" dirty="0"/>
-              <a:t>С</a:t>
-            </a:r>
-            <a:r>
-              <a:rPr lang="ru-RU" sz="2000" dirty="0" smtClean="0"/>
-              <a:t>оздать </a:t>
-            </a:r>
-            <a:r>
-              <a:rPr lang="ru-RU" sz="2000" dirty="0"/>
-              <a:t>простую консольную игру-головоломку в средневековом стиле</a:t>
-            </a:r>
-          </a:p>
-          <a:p>
-            <a:endParaRPr lang="ru-RU" dirty="0"/>
-          </a:p>
-        </p:txBody>
-      </p:sp>
-    </p:spTree>
-    <p:extLst>
-      <p:ext uri="{BB962C8B-B14F-4D97-AF65-F5344CB8AC3E}">
-        <p14:creationId xmlns:p14="http://schemas.microsoft.com/office/powerpoint/2010/main" val="3831683194"/>
-      </p:ext>
-    </p:extLst>
-  </p:cSld>
-  <p:clrMapOvr>
-    <a:masterClrMapping/>
-  </p:clrMapOvr>
-</p:sld>
-</file>
-
-<file path=ppt/slides/slide3.xml><?xml version="1.0" encoding="utf-8"?>
-<p:sld xmlns:a="http://schemas.openxmlformats.org/drawingml/2006/main" xmlns:r="http://schemas.openxmlformats.org/officeDocument/2006/relationships" xmlns:p="http://schemas.openxmlformats.org/presentationml/2006/main">
-  <p:cSld>
-    <p:spTree>
-      <p:nvGrpSpPr>
-        <p:cNvPr id="1" name=""/>
-        <p:cNvGrpSpPr/>
-        <p:nvPr/>
-      </p:nvGrpSpPr>
-      <p:grpSpPr>
-        <a:xfrm>
-          <a:off x="0" y="0"/>
-          <a:ext cx="0" cy="0"/>
-          <a:chOff x="0" y="0"/>
-          <a:chExt cx="0" cy="0"/>
-        </a:xfrm>
-      </p:grpSpPr>
-      <p:sp>
-        <p:nvSpPr>
-          <p:cNvPr id="2" name="Заголовок 1"/>
-          <p:cNvSpPr>
-            <a:spLocks noGrp="1"/>
-          </p:cNvSpPr>
-          <p:nvPr>
-            <p:ph type="title"/>
-          </p:nvPr>
-        </p:nvSpPr>
-        <p:spPr/>
-        <p:txBody>
-          <a:bodyPr/>
-          <a:lstStyle/>
-          <a:p>
-            <a:r>
-              <a:rPr lang="ru-RU" dirty="0" smtClean="0"/>
-              <a:t>Структура проекта</a:t>
-            </a:r>
-            <a:endParaRPr lang="ru-RU" dirty="0"/>
-          </a:p>
-        </p:txBody>
-      </p:sp>
-      <p:sp>
-        <p:nvSpPr>
-          <p:cNvPr id="3" name="Объект 2"/>
-          <p:cNvSpPr>
-            <a:spLocks noGrp="1"/>
-          </p:cNvSpPr>
-          <p:nvPr>
-            <p:ph sz="quarter" idx="13"/>
-          </p:nvPr>
-        </p:nvSpPr>
-        <p:spPr/>
-        <p:txBody>
-          <a:bodyPr/>
-          <a:lstStyle/>
-          <a:p>
-            <a:pPr lvl="0"/>
-            <a:r>
-              <a:rPr lang="ru-RU" sz="1800" dirty="0"/>
-              <a:t>Импортирование модулей</a:t>
-            </a:r>
-          </a:p>
-          <a:p>
-            <a:pPr lvl="1"/>
-            <a:r>
-              <a:rPr lang="en-US" sz="1800" dirty="0" err="1"/>
-              <a:t>os</a:t>
-            </a:r>
-            <a:endParaRPr lang="ru-RU" sz="1800" dirty="0"/>
-          </a:p>
-          <a:p>
-            <a:pPr lvl="1"/>
-            <a:r>
-              <a:rPr lang="en-US" sz="1800" dirty="0" err="1"/>
-              <a:t>pygame</a:t>
-            </a:r>
-            <a:endParaRPr lang="ru-RU" sz="1800" dirty="0"/>
-          </a:p>
-          <a:p>
-            <a:pPr lvl="1"/>
-            <a:r>
-              <a:rPr lang="en-US" sz="1800" dirty="0"/>
-              <a:t>time</a:t>
-            </a:r>
-            <a:endParaRPr lang="ru-RU" sz="1800" dirty="0"/>
-          </a:p>
-          <a:p>
-            <a:pPr lvl="1"/>
-            <a:r>
-              <a:rPr lang="en-US" sz="1800" dirty="0"/>
-              <a:t>sys</a:t>
-            </a:r>
-            <a:endParaRPr lang="ru-RU" sz="1800" dirty="0"/>
-          </a:p>
-          <a:p>
-            <a:pPr lvl="0"/>
-            <a:r>
-              <a:rPr lang="ru-RU" sz="1800" dirty="0"/>
-              <a:t>Дополнительные функции (загрузка уровня из файла, загрузка фото и т.д.)</a:t>
-            </a:r>
-          </a:p>
-          <a:p>
-            <a:pPr lvl="0"/>
-            <a:r>
-              <a:rPr lang="ru-RU" sz="1800" dirty="0"/>
-              <a:t>Классы плиток</a:t>
-            </a:r>
-          </a:p>
-          <a:p>
-            <a:pPr lvl="0"/>
-            <a:r>
-              <a:rPr lang="ru-RU" sz="1800" dirty="0"/>
-              <a:t>Класс рыцаря</a:t>
-            </a:r>
-          </a:p>
-          <a:p>
-            <a:pPr lvl="0"/>
-            <a:r>
-              <a:rPr lang="ru-RU" sz="1800" dirty="0"/>
-              <a:t>Начальное и финальное окна</a:t>
-            </a:r>
-          </a:p>
-        </p:txBody>
-      </p:sp>
-    </p:spTree>
-    <p:extLst>
-      <p:ext uri="{BB962C8B-B14F-4D97-AF65-F5344CB8AC3E}">
-        <p14:creationId xmlns:p14="http://schemas.microsoft.com/office/powerpoint/2010/main" val="1192925600"/>
-      </p:ext>
-    </p:extLst>
-  </p:cSld>
-  <p:clrMapOvr>
-    <a:masterClrMapping/>
-  </p:clrMapOvr>
-</p:sld>
-</file>
-
-<file path=ppt/slides/slide4.xml><?xml version="1.0" encoding="utf-8"?>
-<p:sld xmlns:a="http://schemas.openxmlformats.org/drawingml/2006/main" xmlns:r="http://schemas.openxmlformats.org/officeDocument/2006/relationships" xmlns:p="http://schemas.openxmlformats.org/presentationml/2006/main">
-  <p:cSld>
-    <p:spTree>
-      <p:nvGrpSpPr>
-        <p:cNvPr id="1" name=""/>
-        <p:cNvGrpSpPr/>
-        <p:nvPr/>
-      </p:nvGrpSpPr>
-      <p:grpSpPr>
-        <a:xfrm>
-          <a:off x="0" y="0"/>
-          <a:ext cx="0" cy="0"/>
-          <a:chOff x="0" y="0"/>
-          <a:chExt cx="0" cy="0"/>
-        </a:xfrm>
-      </p:grpSpPr>
-      <p:sp>
-        <p:nvSpPr>
-          <p:cNvPr id="5" name="Подзаголовок 4"/>
-          <p:cNvSpPr>
-            <a:spLocks noGrp="1"/>
-          </p:cNvSpPr>
-          <p:nvPr>
-            <p:ph type="subTitle" idx="1"/>
-          </p:nvPr>
-        </p:nvSpPr>
-        <p:spPr/>
-        <p:txBody>
-          <a:bodyPr/>
-          <a:lstStyle/>
-          <a:p>
-            <a:endParaRPr lang="ru-RU"/>
-          </a:p>
-        </p:txBody>
-      </p:sp>
-      <p:sp>
-        <p:nvSpPr>
-          <p:cNvPr id="4" name="Заголовок 3"/>
-          <p:cNvSpPr>
-            <a:spLocks noGrp="1"/>
-          </p:cNvSpPr>
-          <p:nvPr>
-            <p:ph type="ctrTitle"/>
-          </p:nvPr>
-        </p:nvSpPr>
-        <p:spPr/>
-        <p:txBody>
-          <a:bodyPr/>
-          <a:lstStyle/>
-          <a:p>
-            <a:r>
-              <a:rPr lang="ru-RU" dirty="0" smtClean="0"/>
-              <a:t>Сама Игра</a:t>
-            </a:r>
-            <a:endParaRPr lang="ru-RU" dirty="0"/>
-          </a:p>
-        </p:txBody>
-      </p:sp>
-    </p:spTree>
-    <p:extLst>
-      <p:ext uri="{BB962C8B-B14F-4D97-AF65-F5344CB8AC3E}">
-        <p14:creationId xmlns:p14="http://schemas.microsoft.com/office/powerpoint/2010/main" val="603445114"/>
-      </p:ext>
-    </p:extLst>
-  </p:cSld>
-  <p:clrMapOvr>
-    <a:masterClrMapping/>
-  </p:clrMapOvr>
-</p:sld>
-</file>
-
-<file path=ppt/slides/slide5.xml><?xml version="1.0" encoding="utf-8"?>
-<p:sld xmlns:a="http://schemas.openxmlformats.org/drawingml/2006/main" xmlns:r="http://schemas.openxmlformats.org/officeDocument/2006/relationships" xmlns:p="http://schemas.openxmlformats.org/presentationml/2006/main">
-  <p:cSld>
-    <p:spTree>
-      <p:nvGrpSpPr>
-        <p:cNvPr id="1" name=""/>
-        <p:cNvGrpSpPr/>
-        <p:nvPr/>
-      </p:nvGrpSpPr>
-      <p:grpSpPr>
-        <a:xfrm>
-          <a:off x="0" y="0"/>
-          <a:ext cx="0" cy="0"/>
-          <a:chOff x="0" y="0"/>
-          <a:chExt cx="0" cy="0"/>
-        </a:xfrm>
-      </p:grpSpPr>
-      <p:sp>
-        <p:nvSpPr>
-          <p:cNvPr id="2" name="Заголовок 1"/>
-          <p:cNvSpPr>
-            <a:spLocks noGrp="1"/>
-          </p:cNvSpPr>
-          <p:nvPr>
-            <p:ph type="title"/>
-          </p:nvPr>
-        </p:nvSpPr>
-        <p:spPr/>
-        <p:txBody>
-          <a:bodyPr/>
-          <a:lstStyle/>
-          <a:p>
-            <a:r>
-              <a:rPr lang="ru-RU" dirty="0" smtClean="0"/>
-              <a:t>Начальное окно</a:t>
-            </a:r>
-            <a:endParaRPr lang="ru-RU" dirty="0"/>
-          </a:p>
-        </p:txBody>
-      </p:sp>
-      <p:sp>
-        <p:nvSpPr>
-          <p:cNvPr id="3" name="Объект 2"/>
-          <p:cNvSpPr>
-            <a:spLocks noGrp="1"/>
-          </p:cNvSpPr>
-          <p:nvPr>
-            <p:ph sz="quarter" idx="13"/>
+            <p:ph idx="1"/>
           </p:nvPr>
         </p:nvSpPr>
         <p:spPr/>
@@ -4113,7 +3207,7 @@
           <p:nvPr/>
         </p:nvPicPr>
         <p:blipFill rotWithShape="1">
-          <a:blip r:embed="rId2"/>
+          <a:blip r:embed="rId2" cstate="print"/>
           <a:srcRect t="3210" r="18896" b="24553"/>
           <a:stretch/>
         </p:blipFill>
@@ -4157,7 +3251,7 @@
           </a:sp3d>
           <a:extLst>
             <a:ext uri="{53640926-AAD7-44D8-BBD7-CCE9431645EC}">
-              <a14:shadowObscured xmlns:a14="http://schemas.microsoft.com/office/drawing/2010/main"/>
+              <a14:shadowObscured xmlns:a14="http://schemas.microsoft.com/office/drawing/2010/main" xmlns=""/>
             </a:ext>
           </a:extLst>
         </p:spPr>
@@ -4165,17 +3259,24 @@
     </p:spTree>
     <p:extLst>
       <p:ext uri="{BB962C8B-B14F-4D97-AF65-F5344CB8AC3E}">
-        <p14:creationId xmlns:p14="http://schemas.microsoft.com/office/powerpoint/2010/main" val="303968364"/>
+        <p14:creationId xmlns:p14="http://schemas.microsoft.com/office/powerpoint/2010/main" xmlns="" val="303968364"/>
       </p:ext>
     </p:extLst>
   </p:cSld>
   <p:clrMapOvr>
     <a:masterClrMapping/>
   </p:clrMapOvr>
+  <p:timing>
+    <p:tnLst>
+      <p:par>
+        <p:cTn id="1" dur="indefinite" restart="never" nodeType="tmRoot"/>
+      </p:par>
+    </p:tnLst>
+  </p:timing>
 </p:sld>
 </file>
 
-<file path=ppt/slides/slide6.xml><?xml version="1.0" encoding="utf-8"?>
+<file path=ppt/slides/slide3.xml><?xml version="1.0" encoding="utf-8"?>
 <p:sld xmlns:a="http://schemas.openxmlformats.org/drawingml/2006/main" xmlns:r="http://schemas.openxmlformats.org/officeDocument/2006/relationships" xmlns:p="http://schemas.openxmlformats.org/presentationml/2006/main">
   <p:cSld>
     <p:spTree>
@@ -4222,7 +3323,7 @@
             <a:spLocks noGrp="1"/>
           </p:cNvSpPr>
           <p:nvPr>
-            <p:ph sz="quarter" idx="13"/>
+            <p:ph idx="1"/>
           </p:nvPr>
         </p:nvSpPr>
         <p:spPr/>
@@ -4243,10 +3344,10 @@
           <p:nvPr/>
         </p:nvPicPr>
         <p:blipFill>
-          <a:blip r:embed="rId2">
+          <a:blip r:embed="rId2" cstate="print">
             <a:extLst>
               <a:ext uri="{28A0092B-C50C-407E-A947-70E740481C1C}">
-                <a14:useLocalDpi xmlns:a14="http://schemas.microsoft.com/office/drawing/2010/main" val="0"/>
+                <a14:useLocalDpi xmlns:a14="http://schemas.microsoft.com/office/drawing/2010/main" xmlns="" val="0"/>
               </a:ext>
             </a:extLst>
           </a:blip>
@@ -4295,7 +3396,7 @@
           </a:sp3d>
           <a:extLst>
             <a:ext uri="{909E8E84-426E-40DD-AFC4-6F175D3DCCD1}">
-              <a14:hiddenFill xmlns:a14="http://schemas.microsoft.com/office/drawing/2010/main">
+              <a14:hiddenFill xmlns:a14="http://schemas.microsoft.com/office/drawing/2010/main" xmlns="">
                 <a:solidFill>
                   <a:srgbClr val="FFFFFF"/>
                 </a:solidFill>
@@ -4307,17 +3408,24 @@
     </p:spTree>
     <p:extLst>
       <p:ext uri="{BB962C8B-B14F-4D97-AF65-F5344CB8AC3E}">
-        <p14:creationId xmlns:p14="http://schemas.microsoft.com/office/powerpoint/2010/main" val="3756832422"/>
+        <p14:creationId xmlns:p14="http://schemas.microsoft.com/office/powerpoint/2010/main" xmlns="" val="3756832422"/>
       </p:ext>
     </p:extLst>
   </p:cSld>
   <p:clrMapOvr>
     <a:masterClrMapping/>
   </p:clrMapOvr>
+  <p:timing>
+    <p:tnLst>
+      <p:par>
+        <p:cTn id="1" dur="indefinite" restart="never" nodeType="tmRoot"/>
+      </p:par>
+    </p:tnLst>
+  </p:timing>
 </p:sld>
 </file>
 
-<file path=ppt/slides/slide7.xml><?xml version="1.0" encoding="utf-8"?>
+<file path=ppt/slides/slide4.xml><?xml version="1.0" encoding="utf-8"?>
 <p:sld xmlns:a="http://schemas.openxmlformats.org/drawingml/2006/main" xmlns:r="http://schemas.openxmlformats.org/officeDocument/2006/relationships" xmlns:p="http://schemas.openxmlformats.org/presentationml/2006/main">
   <p:cSld>
     <p:spTree>
@@ -4364,7 +3472,7 @@
             <a:spLocks noGrp="1"/>
           </p:cNvSpPr>
           <p:nvPr>
-            <p:ph sz="quarter" idx="13"/>
+            <p:ph idx="1"/>
           </p:nvPr>
         </p:nvSpPr>
         <p:spPr/>
@@ -4385,10 +3493,10 @@
           <p:nvPr/>
         </p:nvPicPr>
         <p:blipFill>
-          <a:blip r:embed="rId2">
+          <a:blip r:embed="rId2" cstate="print">
             <a:extLst>
               <a:ext uri="{28A0092B-C50C-407E-A947-70E740481C1C}">
-                <a14:useLocalDpi xmlns:a14="http://schemas.microsoft.com/office/drawing/2010/main" val="0"/>
+                <a14:useLocalDpi xmlns:a14="http://schemas.microsoft.com/office/drawing/2010/main" xmlns="" val="0"/>
               </a:ext>
             </a:extLst>
           </a:blip>
@@ -4437,7 +3545,7 @@
           </a:sp3d>
           <a:extLst>
             <a:ext uri="{909E8E84-426E-40DD-AFC4-6F175D3DCCD1}">
-              <a14:hiddenFill xmlns:a14="http://schemas.microsoft.com/office/drawing/2010/main">
+              <a14:hiddenFill xmlns:a14="http://schemas.microsoft.com/office/drawing/2010/main" xmlns="">
                 <a:solidFill>
                   <a:srgbClr val="FFFFFF"/>
                 </a:solidFill>
@@ -4449,17 +3557,24 @@
     </p:spTree>
     <p:extLst>
       <p:ext uri="{BB962C8B-B14F-4D97-AF65-F5344CB8AC3E}">
-        <p14:creationId xmlns:p14="http://schemas.microsoft.com/office/powerpoint/2010/main" val="902943393"/>
+        <p14:creationId xmlns:p14="http://schemas.microsoft.com/office/powerpoint/2010/main" xmlns="" val="902943393"/>
       </p:ext>
     </p:extLst>
   </p:cSld>
   <p:clrMapOvr>
     <a:masterClrMapping/>
   </p:clrMapOvr>
+  <p:timing>
+    <p:tnLst>
+      <p:par>
+        <p:cTn id="1" dur="indefinite" restart="never" nodeType="tmRoot"/>
+      </p:par>
+    </p:tnLst>
+  </p:timing>
 </p:sld>
 </file>
 
-<file path=ppt/slides/slide8.xml><?xml version="1.0" encoding="utf-8"?>
+<file path=ppt/slides/slide5.xml><?xml version="1.0" encoding="utf-8"?>
 <p:sld xmlns:a="http://schemas.openxmlformats.org/drawingml/2006/main" xmlns:r="http://schemas.openxmlformats.org/officeDocument/2006/relationships" xmlns:p="http://schemas.openxmlformats.org/presentationml/2006/main">
   <p:cSld>
     <p:spTree>
@@ -4506,7 +3621,7 @@
             <a:spLocks noGrp="1"/>
           </p:cNvSpPr>
           <p:nvPr>
-            <p:ph sz="quarter" idx="13"/>
+            <p:ph idx="1"/>
           </p:nvPr>
         </p:nvSpPr>
         <p:spPr/>
@@ -4527,10 +3642,10 @@
           <p:nvPr/>
         </p:nvPicPr>
         <p:blipFill>
-          <a:blip r:embed="rId2">
+          <a:blip r:embed="rId2" cstate="print">
             <a:extLst>
               <a:ext uri="{28A0092B-C50C-407E-A947-70E740481C1C}">
-                <a14:useLocalDpi xmlns:a14="http://schemas.microsoft.com/office/drawing/2010/main" val="0"/>
+                <a14:useLocalDpi xmlns:a14="http://schemas.microsoft.com/office/drawing/2010/main" xmlns="" val="0"/>
               </a:ext>
             </a:extLst>
           </a:blip>
@@ -4579,7 +3694,7 @@
           </a:sp3d>
           <a:extLst>
             <a:ext uri="{909E8E84-426E-40DD-AFC4-6F175D3DCCD1}">
-              <a14:hiddenFill xmlns:a14="http://schemas.microsoft.com/office/drawing/2010/main">
+              <a14:hiddenFill xmlns:a14="http://schemas.microsoft.com/office/drawing/2010/main" xmlns="">
                 <a:solidFill>
                   <a:srgbClr val="FFFFFF"/>
                 </a:solidFill>
@@ -4591,17 +3706,24 @@
     </p:spTree>
     <p:extLst>
       <p:ext uri="{BB962C8B-B14F-4D97-AF65-F5344CB8AC3E}">
-        <p14:creationId xmlns:p14="http://schemas.microsoft.com/office/powerpoint/2010/main" val="2419720859"/>
+        <p14:creationId xmlns:p14="http://schemas.microsoft.com/office/powerpoint/2010/main" xmlns="" val="2419720859"/>
       </p:ext>
     </p:extLst>
   </p:cSld>
   <p:clrMapOvr>
     <a:masterClrMapping/>
   </p:clrMapOvr>
+  <p:timing>
+    <p:tnLst>
+      <p:par>
+        <p:cTn id="1" dur="indefinite" restart="never" nodeType="tmRoot"/>
+      </p:par>
+    </p:tnLst>
+  </p:timing>
 </p:sld>
 </file>
 
-<file path=ppt/slides/slide9.xml><?xml version="1.0" encoding="utf-8"?>
+<file path=ppt/slides/slide6.xml><?xml version="1.0" encoding="utf-8"?>
 <p:sld xmlns:a="http://schemas.openxmlformats.org/drawingml/2006/main" xmlns:r="http://schemas.openxmlformats.org/officeDocument/2006/relationships" xmlns:p="http://schemas.openxmlformats.org/presentationml/2006/main">
   <p:cSld>
     <p:spTree>
@@ -4648,7 +3770,7 @@
             <a:spLocks noGrp="1"/>
           </p:cNvSpPr>
           <p:nvPr>
-            <p:ph sz="quarter" idx="13"/>
+            <p:ph idx="1"/>
           </p:nvPr>
         </p:nvSpPr>
         <p:spPr/>
@@ -4667,7 +3789,7 @@
           <p:nvPr/>
         </p:nvPicPr>
         <p:blipFill rotWithShape="1">
-          <a:blip r:embed="rId2"/>
+          <a:blip r:embed="rId2" cstate="print"/>
           <a:srcRect t="2943" r="18896" b="24018"/>
           <a:stretch/>
         </p:blipFill>
@@ -4711,7 +3833,7 @@
           </a:sp3d>
           <a:extLst>
             <a:ext uri="{53640926-AAD7-44D8-BBD7-CCE9431645EC}">
-              <a14:shadowObscured xmlns:a14="http://schemas.microsoft.com/office/drawing/2010/main"/>
+              <a14:shadowObscured xmlns:a14="http://schemas.microsoft.com/office/drawing/2010/main" xmlns=""/>
             </a:ext>
           </a:extLst>
         </p:spPr>
@@ -4723,7 +3845,7 @@
           <p:nvPr/>
         </p:nvPicPr>
         <p:blipFill rotWithShape="1">
-          <a:blip r:embed="rId3"/>
+          <a:blip r:embed="rId3" cstate="print"/>
           <a:srcRect t="3212" r="19057" b="24130"/>
           <a:stretch/>
         </p:blipFill>
@@ -4767,7 +3889,7 @@
           </a:sp3d>
           <a:extLst>
             <a:ext uri="{53640926-AAD7-44D8-BBD7-CCE9431645EC}">
-              <a14:shadowObscured xmlns:a14="http://schemas.microsoft.com/office/drawing/2010/main"/>
+              <a14:shadowObscured xmlns:a14="http://schemas.microsoft.com/office/drawing/2010/main" xmlns=""/>
             </a:ext>
           </a:extLst>
         </p:spPr>
@@ -4775,69 +3897,294 @@
     </p:spTree>
     <p:extLst>
       <p:ext uri="{BB962C8B-B14F-4D97-AF65-F5344CB8AC3E}">
-        <p14:creationId xmlns:p14="http://schemas.microsoft.com/office/powerpoint/2010/main" val="1655906289"/>
+        <p14:creationId xmlns:p14="http://schemas.microsoft.com/office/powerpoint/2010/main" xmlns="" val="1655906289"/>
       </p:ext>
     </p:extLst>
   </p:cSld>
   <p:clrMapOvr>
     <a:masterClrMapping/>
   </p:clrMapOvr>
+  <p:timing>
+    <p:tnLst>
+      <p:par>
+        <p:cTn id="1" dur="indefinite" restart="never" nodeType="tmRoot"/>
+      </p:par>
+    </p:tnLst>
+  </p:timing>
+</p:sld>
+</file>
+
+<file path=ppt/slides/slide7.xml><?xml version="1.0" encoding="utf-8"?>
+<p:sld xmlns:a="http://schemas.openxmlformats.org/drawingml/2006/main" xmlns:r="http://schemas.openxmlformats.org/officeDocument/2006/relationships" xmlns:p="http://schemas.openxmlformats.org/presentationml/2006/main">
+  <p:cSld>
+    <p:spTree>
+      <p:nvGrpSpPr>
+        <p:cNvPr id="1" name=""/>
+        <p:cNvGrpSpPr/>
+        <p:nvPr/>
+      </p:nvGrpSpPr>
+      <p:grpSpPr>
+        <a:xfrm>
+          <a:off x="0" y="0"/>
+          <a:ext cx="0" cy="0"/>
+          <a:chOff x="0" y="0"/>
+          <a:chExt cx="0" cy="0"/>
+        </a:xfrm>
+      </p:grpSpPr>
+      <p:sp>
+        <p:nvSpPr>
+          <p:cNvPr id="2" name="Заголовок 1"/>
+          <p:cNvSpPr>
+            <a:spLocks noGrp="1"/>
+          </p:cNvSpPr>
+          <p:nvPr>
+            <p:ph type="title"/>
+          </p:nvPr>
+        </p:nvSpPr>
+        <p:spPr/>
+        <p:txBody>
+          <a:bodyPr/>
+          <a:lstStyle/>
+          <a:p>
+            <a:r>
+              <a:rPr lang="ru-RU" dirty="0" smtClean="0"/>
+              <a:t>Выводы</a:t>
+            </a:r>
+            <a:endParaRPr lang="ru-RU" dirty="0"/>
+          </a:p>
+        </p:txBody>
+      </p:sp>
+      <p:sp>
+        <p:nvSpPr>
+          <p:cNvPr id="3" name="Объект 2"/>
+          <p:cNvSpPr>
+            <a:spLocks noGrp="1"/>
+          </p:cNvSpPr>
+          <p:nvPr>
+            <p:ph idx="1"/>
+          </p:nvPr>
+        </p:nvSpPr>
+        <p:spPr/>
+        <p:txBody>
+          <a:bodyPr/>
+          <a:lstStyle/>
+          <a:p>
+            <a:pPr lvl="0"/>
+            <a:r>
+              <a:rPr lang="ru-RU" dirty="0"/>
+              <a:t>Создана программа, выполняющая все заявленные функции</a:t>
+            </a:r>
+          </a:p>
+          <a:p>
+            <a:pPr lvl="0"/>
+            <a:r>
+              <a:rPr lang="ru-RU" dirty="0"/>
+              <a:t>Игра проста и </a:t>
+            </a:r>
+            <a:r>
+              <a:rPr lang="ru-RU" dirty="0" smtClean="0"/>
+              <a:t>понятна, но заставляет подумать</a:t>
+            </a:r>
+            <a:endParaRPr lang="ru-RU" dirty="0"/>
+          </a:p>
+          <a:p>
+            <a:pPr lvl="0"/>
+            <a:r>
+              <a:rPr lang="ru-RU" dirty="0"/>
+              <a:t>Возможно улучшение игры: добавление магазина, увеличение количества уровней, более качественная прорисовка и т.д.</a:t>
+            </a:r>
+          </a:p>
+          <a:p>
+            <a:endParaRPr lang="ru-RU" dirty="0"/>
+          </a:p>
+        </p:txBody>
+      </p:sp>
+    </p:spTree>
+    <p:extLst>
+      <p:ext uri="{BB962C8B-B14F-4D97-AF65-F5344CB8AC3E}">
+        <p14:creationId xmlns:p14="http://schemas.microsoft.com/office/powerpoint/2010/main" xmlns="" val="2289336321"/>
+      </p:ext>
+    </p:extLst>
+  </p:cSld>
+  <p:clrMapOvr>
+    <a:masterClrMapping/>
+  </p:clrMapOvr>
+  <p:timing>
+    <p:tnLst>
+      <p:par>
+        <p:cTn id="1" dur="indefinite" restart="never" nodeType="tmRoot"/>
+      </p:par>
+    </p:tnLst>
+  </p:timing>
+</p:sld>
+</file>
+
+<file path=ppt/slides/slide8.xml><?xml version="1.0" encoding="utf-8"?>
+<p:sld xmlns:a="http://schemas.openxmlformats.org/drawingml/2006/main" xmlns:r="http://schemas.openxmlformats.org/officeDocument/2006/relationships" xmlns:p="http://schemas.openxmlformats.org/presentationml/2006/main">
+  <p:cSld>
+    <p:spTree>
+      <p:nvGrpSpPr>
+        <p:cNvPr id="1" name=""/>
+        <p:cNvGrpSpPr/>
+        <p:nvPr/>
+      </p:nvGrpSpPr>
+      <p:grpSpPr>
+        <a:xfrm>
+          <a:off x="0" y="0"/>
+          <a:ext cx="0" cy="0"/>
+          <a:chOff x="0" y="0"/>
+          <a:chExt cx="0" cy="0"/>
+        </a:xfrm>
+      </p:grpSpPr>
+      <p:sp>
+        <p:nvSpPr>
+          <p:cNvPr id="4" name="Заголовок 3"/>
+          <p:cNvSpPr>
+            <a:spLocks noGrp="1"/>
+          </p:cNvSpPr>
+          <p:nvPr>
+            <p:ph type="ctrTitle"/>
+          </p:nvPr>
+        </p:nvSpPr>
+        <p:spPr/>
+        <p:txBody>
+          <a:bodyPr/>
+          <a:lstStyle/>
+          <a:p>
+            <a:r>
+              <a:rPr lang="ru-RU" dirty="0" smtClean="0"/>
+              <a:t>Спасибо за внимание!</a:t>
+            </a:r>
+            <a:endParaRPr lang="ru-RU" dirty="0"/>
+          </a:p>
+        </p:txBody>
+      </p:sp>
+      <p:sp>
+        <p:nvSpPr>
+          <p:cNvPr id="5" name="Подзаголовок 4"/>
+          <p:cNvSpPr>
+            <a:spLocks noGrp="1"/>
+          </p:cNvSpPr>
+          <p:nvPr>
+            <p:ph type="subTitle" idx="1"/>
+          </p:nvPr>
+        </p:nvSpPr>
+        <p:spPr/>
+        <p:txBody>
+          <a:bodyPr/>
+          <a:lstStyle/>
+          <a:p>
+            <a:endParaRPr lang="ru-RU"/>
+          </a:p>
+        </p:txBody>
+      </p:sp>
+    </p:spTree>
+    <p:extLst>
+      <p:ext uri="{BB962C8B-B14F-4D97-AF65-F5344CB8AC3E}">
+        <p14:creationId xmlns:p14="http://schemas.microsoft.com/office/powerpoint/2010/main" xmlns="" val="1554717559"/>
+      </p:ext>
+    </p:extLst>
+  </p:cSld>
+  <p:clrMapOvr>
+    <a:masterClrMapping/>
+  </p:clrMapOvr>
+  <p:timing>
+    <p:tnLst>
+      <p:par>
+        <p:cTn id="1" dur="indefinite" restart="never" nodeType="tmRoot"/>
+      </p:par>
+    </p:tnLst>
+  </p:timing>
 </p:sld>
 </file>
 
 <file path=ppt/theme/theme1.xml><?xml version="1.0" encoding="utf-8"?>
-<a:theme xmlns:a="http://schemas.openxmlformats.org/drawingml/2006/main" name="Горизонт">
+<a:theme xmlns:a="http://schemas.openxmlformats.org/drawingml/2006/main" name="Тема Office">
   <a:themeElements>
-    <a:clrScheme name="Горизонт">
+    <a:clrScheme name="Стандартная">
       <a:dk1>
-        <a:srgbClr val="000000"/>
+        <a:sysClr val="windowText" lastClr="000000"/>
       </a:dk1>
       <a:lt1>
-        <a:srgbClr val="FFFFFF"/>
+        <a:sysClr val="window" lastClr="FFFFFF"/>
       </a:lt1>
       <a:dk2>
-        <a:srgbClr val="1F2123"/>
+        <a:srgbClr val="1F497D"/>
       </a:dk2>
       <a:lt2>
-        <a:srgbClr val="DC9E1F"/>
+        <a:srgbClr val="EEECE1"/>
       </a:lt2>
       <a:accent1>
-        <a:srgbClr val="7E97AD"/>
+        <a:srgbClr val="4F81BD"/>
       </a:accent1>
       <a:accent2>
-        <a:srgbClr val="CC8E60"/>
+        <a:srgbClr val="C0504D"/>
       </a:accent2>
       <a:accent3>
-        <a:srgbClr val="7A6A60"/>
+        <a:srgbClr val="9BBB59"/>
       </a:accent3>
       <a:accent4>
-        <a:srgbClr val="B4936D"/>
+        <a:srgbClr val="8064A2"/>
       </a:accent4>
       <a:accent5>
-        <a:srgbClr val="67787B"/>
+        <a:srgbClr val="4BACC6"/>
       </a:accent5>
       <a:accent6>
-        <a:srgbClr val="9D936F"/>
+        <a:srgbClr val="F79646"/>
       </a:accent6>
       <a:hlink>
-        <a:srgbClr val="646464"/>
+        <a:srgbClr val="0000FF"/>
       </a:hlink>
       <a:folHlink>
-        <a:srgbClr val="969696"/>
+        <a:srgbClr val="800080"/>
       </a:folHlink>
     </a:clrScheme>
-    <a:fontScheme name="Горизонт">
+    <a:fontScheme name="Стандартная">
       <a:majorFont>
-        <a:latin typeface="Arial Narrow"/>
+        <a:latin typeface="Calibri"/>
         <a:ea typeface=""/>
         <a:cs typeface=""/>
-        <a:font script="Jpan" typeface="HGｺﾞｼｯｸM"/>
-        <a:font script="Hang" typeface="HY얕은샘물M"/>
-        <a:font script="Hans" typeface="方正姚体"/>
-        <a:font script="Hant" typeface="微軟正黑體"/>
+        <a:font script="Jpan" typeface="ＭＳ Ｐゴシック"/>
+        <a:font script="Hang" typeface="맑은 고딕"/>
+        <a:font script="Hans" typeface="宋体"/>
+        <a:font script="Hant" typeface="新細明體"/>
+        <a:font script="Arab" typeface="Times New Roman"/>
+        <a:font script="Hebr" typeface="Times New Roman"/>
+        <a:font script="Thai" typeface="Angsana New"/>
+        <a:font script="Ethi" typeface="Nyala"/>
+        <a:font script="Beng" typeface="Vrinda"/>
+        <a:font script="Gujr" typeface="Shruti"/>
+        <a:font script="Khmr" typeface="MoolBoran"/>
+        <a:font script="Knda" typeface="Tunga"/>
+        <a:font script="Guru" typeface="Raavi"/>
+        <a:font script="Cans" typeface="Euphemia"/>
+        <a:font script="Cher" typeface="Plantagenet Cherokee"/>
+        <a:font script="Yiii" typeface="Microsoft Yi Baiti"/>
+        <a:font script="Tibt" typeface="Microsoft Himalaya"/>
+        <a:font script="Thaa" typeface="MV Boli"/>
+        <a:font script="Deva" typeface="Mangal"/>
+        <a:font script="Telu" typeface="Gautami"/>
+        <a:font script="Taml" typeface="Latha"/>
+        <a:font script="Syrc" typeface="Estrangelo Edessa"/>
+        <a:font script="Orya" typeface="Kalinga"/>
+        <a:font script="Mlym" typeface="Kartika"/>
+        <a:font script="Laoo" typeface="DokChampa"/>
+        <a:font script="Sinh" typeface="Iskoola Pota"/>
+        <a:font script="Mong" typeface="Mongolian Baiti"/>
+        <a:font script="Viet" typeface="Times New Roman"/>
+        <a:font script="Uigh" typeface="Microsoft Uighur"/>
+      </a:majorFont>
+      <a:minorFont>
+        <a:latin typeface="Calibri"/>
+        <a:ea typeface=""/>
+        <a:cs typeface=""/>
+        <a:font script="Jpan" typeface="ＭＳ Ｐゴシック"/>
+        <a:font script="Hang" typeface="맑은 고딕"/>
+        <a:font script="Hans" typeface="宋体"/>
+        <a:font script="Hant" typeface="新細明體"/>
         <a:font script="Arab" typeface="Arial"/>
-        <a:font script="Hebr" typeface="Levenim MT"/>
-        <a:font script="Thai" typeface="FreesiaUPC"/>
+        <a:font script="Hebr" typeface="Arial"/>
+        <a:font script="Thai" typeface="Cordia New"/>
         <a:font script="Ethi" typeface="Nyala"/>
         <a:font script="Beng" typeface="Vrinda"/>
         <a:font script="Gujr" typeface="Shruti"/>
@@ -4858,47 +4205,11 @@
         <a:font script="Laoo" typeface="DokChampa"/>
         <a:font script="Sinh" typeface="Iskoola Pota"/>
         <a:font script="Mong" typeface="Mongolian Baiti"/>
-        <a:font script="Viet" typeface="Tahoma"/>
+        <a:font script="Viet" typeface="Arial"/>
         <a:font script="Uigh" typeface="Microsoft Uighur"/>
-        <a:font script="Geor" typeface="Sylfaen"/>
-      </a:majorFont>
-      <a:minorFont>
-        <a:latin typeface="Arial Narrow"/>
-        <a:ea typeface=""/>
-        <a:cs typeface=""/>
-        <a:font script="Jpan" typeface="HGｺﾞｼｯｸM"/>
-        <a:font script="Hang" typeface="HY얕은샘물M"/>
-        <a:font script="Hans" typeface="方正姚体"/>
-        <a:font script="Hant" typeface="微軟正黑體"/>
-        <a:font script="Arab" typeface="Arial"/>
-        <a:font script="Hebr" typeface="Levenim MT"/>
-        <a:font script="Thai" typeface="FreesiaUPC"/>
-        <a:font script="Ethi" typeface="Nyala"/>
-        <a:font script="Beng" typeface="Vrinda"/>
-        <a:font script="Gujr" typeface="Shruti"/>
-        <a:font script="Khmr" typeface="DaunPenh"/>
-        <a:font script="Knda" typeface="Tunga"/>
-        <a:font script="Guru" typeface="Raavi"/>
-        <a:font script="Cans" typeface="Euphemia"/>
-        <a:font script="Cher" typeface="Plantagenet Cherokee"/>
-        <a:font script="Yiii" typeface="Microsoft Yi Baiti"/>
-        <a:font script="Tibt" typeface="Microsoft Himalaya"/>
-        <a:font script="Thaa" typeface="MV Boli"/>
-        <a:font script="Deva" typeface="Mangal"/>
-        <a:font script="Telu" typeface="Gautami"/>
-        <a:font script="Taml" typeface="Latha"/>
-        <a:font script="Syrc" typeface="Estrangelo Edessa"/>
-        <a:font script="Orya" typeface="Kalinga"/>
-        <a:font script="Mlym" typeface="Kartika"/>
-        <a:font script="Laoo" typeface="DokChampa"/>
-        <a:font script="Sinh" typeface="Iskoola Pota"/>
-        <a:font script="Mong" typeface="Mongolian Baiti"/>
-        <a:font script="Viet" typeface="Tahoma"/>
-        <a:font script="Uigh" typeface="Microsoft Uighur"/>
-        <a:font script="Geor" typeface="Sylfaen"/>
       </a:minorFont>
     </a:fontScheme>
-    <a:fmtScheme name="Горизонт">
+    <a:fmtScheme name="Стандартная">
       <a:fillStyleLst>
         <a:solidFill>
           <a:schemeClr val="phClr"/>
@@ -4907,62 +4218,68 @@
           <a:gsLst>
             <a:gs pos="0">
               <a:schemeClr val="phClr">
-                <a:tint val="83000"/>
-                <a:shade val="100000"/>
-                <a:satMod val="100000"/>
+                <a:tint val="50000"/>
+                <a:satMod val="300000"/>
+              </a:schemeClr>
+            </a:gs>
+            <a:gs pos="35000">
+              <a:schemeClr val="phClr">
+                <a:tint val="37000"/>
+                <a:satMod val="300000"/>
               </a:schemeClr>
             </a:gs>
             <a:gs pos="100000">
               <a:schemeClr val="phClr">
-                <a:tint val="61000"/>
-                <a:alpha val="100000"/>
-                <a:satMod val="200000"/>
+                <a:tint val="15000"/>
+                <a:satMod val="350000"/>
               </a:schemeClr>
             </a:gs>
           </a:gsLst>
-          <a:path path="circle">
-            <a:fillToRect l="100000" t="100000" r="100000" b="100000"/>
-          </a:path>
+          <a:lin ang="16200000" scaled="1"/>
         </a:gradFill>
         <a:gradFill rotWithShape="1">
           <a:gsLst>
             <a:gs pos="0">
               <a:schemeClr val="phClr">
-                <a:shade val="85000"/>
+                <a:shade val="51000"/>
+                <a:satMod val="130000"/>
+              </a:schemeClr>
+            </a:gs>
+            <a:gs pos="80000">
+              <a:schemeClr val="phClr">
+                <a:shade val="93000"/>
+                <a:satMod val="130000"/>
               </a:schemeClr>
             </a:gs>
             <a:gs pos="100000">
               <a:schemeClr val="phClr">
-                <a:tint val="90000"/>
-                <a:alpha val="100000"/>
-                <a:satMod val="200000"/>
+                <a:shade val="94000"/>
+                <a:satMod val="135000"/>
               </a:schemeClr>
             </a:gs>
           </a:gsLst>
-          <a:path path="circle">
-            <a:fillToRect l="100000" t="100000" r="100000" b="100000"/>
-          </a:path>
+          <a:lin ang="16200000" scaled="0"/>
         </a:gradFill>
       </a:fillStyleLst>
       <a:lnStyleLst>
         <a:ln w="9525" cap="flat" cmpd="sng" algn="ctr">
           <a:solidFill>
-            <a:schemeClr val="phClr"/>
+            <a:schemeClr val="phClr">
+              <a:shade val="95000"/>
+              <a:satMod val="105000"/>
+            </a:schemeClr>
           </a:solidFill>
           <a:prstDash val="solid"/>
         </a:ln>
-        <a:ln w="10795" cap="flat" cmpd="sng" algn="ctr">
+        <a:ln w="25400" cap="flat" cmpd="sng" algn="ctr">
           <a:solidFill>
             <a:schemeClr val="phClr"/>
           </a:solidFill>
           <a:prstDash val="solid"/>
         </a:ln>
-        <a:ln w="15240" cap="flat" cmpd="sng" algn="ctr">
+        <a:ln w="38100" cap="flat" cmpd="sng" algn="ctr">
           <a:solidFill>
-            <a:schemeClr val="phClr">
-              <a:tint val="25000"/>
-              <a:alpha val="25000"/>
-            </a:schemeClr>
+            <a:schemeClr val="phClr"/>
           </a:solidFill>
           <a:prstDash val="solid"/>
         </a:ln>
@@ -4970,27 +4287,27 @@
       <a:effectStyleLst>
         <a:effectStyle>
           <a:effectLst>
-            <a:outerShdw blurRad="38100" dist="25400" dir="5400000" rotWithShape="0">
+            <a:outerShdw blurRad="40000" dist="20000" dir="5400000" rotWithShape="0">
               <a:srgbClr val="000000">
-                <a:alpha val="40000"/>
+                <a:alpha val="38000"/>
               </a:srgbClr>
             </a:outerShdw>
           </a:effectLst>
         </a:effectStyle>
         <a:effectStyle>
           <a:effectLst>
-            <a:outerShdw blurRad="50800" dist="42924" dir="5400000" rotWithShape="0">
+            <a:outerShdw blurRad="40000" dist="23000" dir="5400000" rotWithShape="0">
               <a:srgbClr val="000000">
-                <a:alpha val="40000"/>
+                <a:alpha val="35000"/>
               </a:srgbClr>
             </a:outerShdw>
           </a:effectLst>
         </a:effectStyle>
         <a:effectStyle>
           <a:effectLst>
-            <a:outerShdw blurRad="50800" dist="25400" dir="5400000" rotWithShape="0">
+            <a:outerShdw blurRad="40000" dist="23000" dir="5400000" rotWithShape="0">
               <a:srgbClr val="000000">
-                <a:alpha val="40000"/>
+                <a:alpha val="35000"/>
               </a:srgbClr>
             </a:outerShdw>
           </a:effectLst>
@@ -4998,12 +4315,12 @@
             <a:camera prst="orthographicFront">
               <a:rot lat="0" lon="0" rev="0"/>
             </a:camera>
-            <a:lightRig rig="flat" dir="t">
-              <a:rot lat="0" lon="0" rev="3600000"/>
+            <a:lightRig rig="threePt" dir="t">
+              <a:rot lat="0" lon="0" rev="1200000"/>
             </a:lightRig>
           </a:scene3d>
-          <a:sp3d prstMaterial="flat">
-            <a:bevelT w="34925" h="47625" prst="coolSlant"/>
+          <a:sp3d>
+            <a:bevelT w="63500" h="25400"/>
           </a:sp3d>
         </a:effectStyle>
       </a:effectStyleLst>
@@ -5015,57 +4332,45 @@
           <a:gsLst>
             <a:gs pos="0">
               <a:schemeClr val="phClr">
-                <a:tint val="96000"/>
-                <a:shade val="100000"/>
-                <a:alpha val="100000"/>
-                <a:satMod val="140000"/>
+                <a:tint val="40000"/>
+                <a:satMod val="350000"/>
               </a:schemeClr>
             </a:gs>
-            <a:gs pos="31000">
+            <a:gs pos="40000">
               <a:schemeClr val="phClr">
-                <a:tint val="100000"/>
-                <a:shade val="90000"/>
-                <a:alpha val="100000"/>
+                <a:tint val="45000"/>
+                <a:shade val="99000"/>
+                <a:satMod val="350000"/>
               </a:schemeClr>
             </a:gs>
             <a:gs pos="100000">
               <a:schemeClr val="phClr">
-                <a:tint val="100000"/>
-                <a:shade val="80000"/>
-                <a:alpha val="100000"/>
+                <a:shade val="20000"/>
+                <a:satMod val="255000"/>
               </a:schemeClr>
             </a:gs>
           </a:gsLst>
-          <a:lin ang="5400000" scaled="0"/>
+          <a:path path="circle">
+            <a:fillToRect l="50000" t="-80000" r="50000" b="180000"/>
+          </a:path>
         </a:gradFill>
         <a:gradFill rotWithShape="1">
           <a:gsLst>
             <a:gs pos="0">
               <a:schemeClr val="phClr">
-                <a:tint val="96000"/>
-                <a:shade val="100000"/>
-                <a:alpha val="100000"/>
-                <a:satMod val="180000"/>
-              </a:schemeClr>
-            </a:gs>
-            <a:gs pos="41000">
-              <a:schemeClr val="phClr">
-                <a:tint val="100000"/>
-                <a:shade val="100000"/>
-                <a:alpha val="100000"/>
-                <a:satMod val="150000"/>
+                <a:tint val="80000"/>
+                <a:satMod val="300000"/>
               </a:schemeClr>
             </a:gs>
             <a:gs pos="100000">
               <a:schemeClr val="phClr">
-                <a:tint val="100000"/>
-                <a:shade val="65000"/>
-                <a:alpha val="100000"/>
+                <a:shade val="30000"/>
+                <a:satMod val="200000"/>
               </a:schemeClr>
             </a:gs>
           </a:gsLst>
           <a:path path="circle">
-            <a:fillToRect l="50000" t="80000" r="100000" b="100000"/>
+            <a:fillToRect l="50000" t="50000" r="50000" b="50000"/>
           </a:path>
         </a:gradFill>
       </a:bgFillStyleLst>
